--- a/visualization/visualization_slides.pptx
+++ b/visualization/visualization_slides.pptx
@@ -245,7 +245,7 @@
           <a:p>
             <a:fld id="{FB4ABF83-DE1D-439A-9038-821E6E7BE630}" type="datetimeFigureOut">
               <a:rPr lang="en-US" smtClean="0"/>
-              <a:t>8/23/2020</a:t>
+              <a:t>11/8/2020</a:t>
             </a:fld>
             <a:endParaRPr lang="en-US"/>
           </a:p>
@@ -711,14 +711,82 @@
           <a:bodyPr/>
           <a:lstStyle/>
           <a:p>
+            <a:pPr marL="171450" indent="-171450">
+              <a:buFont typeface="Wingdings" panose="05000000000000000000" pitchFamily="2" charset="2"/>
+              <a:buChar char="Ø"/>
+            </a:pPr>
+            <a:r>
+              <a:rPr lang="en-US" dirty="0" err="1" smtClean="0"/>
+              <a:t>Dcolumn</a:t>
+            </a:r>
             <a:r>
               <a:rPr lang="en-US" dirty="0" smtClean="0"/>
-              <a:t>Assume</a:t>
+              <a:t> package allows to align the</a:t>
             </a:r>
             <a:r>
               <a:rPr lang="en-US" baseline="0" dirty="0" smtClean="0"/>
-              <a:t> you are asked to evaluate a dataset of profit</a:t>
-            </a:r>
+              <a:t> decimals + the sectors are closer</a:t>
+            </a:r>
+            <a:r>
+              <a:rPr lang="en-US" dirty="0" smtClean="0"/>
+              <a:t> (the</a:t>
+            </a:r>
+            <a:r>
+              <a:rPr lang="en-US" baseline="0" dirty="0" smtClean="0"/>
+              <a:t> code for the tables is in the repository)</a:t>
+            </a:r>
+          </a:p>
+          <a:p>
+            <a:pPr marL="171450" indent="-171450">
+              <a:buFont typeface="Wingdings" panose="05000000000000000000" pitchFamily="2" charset="2"/>
+              <a:buChar char="Ø"/>
+            </a:pPr>
+            <a:endParaRPr lang="en-US" baseline="0" dirty="0" smtClean="0"/>
+          </a:p>
+          <a:p>
+            <a:pPr marL="171450" indent="-171450">
+              <a:buFont typeface="Wingdings" panose="05000000000000000000" pitchFamily="2" charset="2"/>
+              <a:buChar char="Ø"/>
+            </a:pPr>
+            <a:r>
+              <a:rPr lang="en-US" baseline="0" dirty="0" smtClean="0"/>
+              <a:t>The lower </a:t>
+            </a:r>
+            <a:r>
+              <a:rPr lang="en-US" baseline="0" dirty="0" smtClean="0"/>
+              <a:t>right </a:t>
+            </a:r>
+            <a:r>
+              <a:rPr lang="en-US" baseline="0" dirty="0" smtClean="0"/>
+              <a:t>‘de-emphasized’ corner is almost empty. The most interesting data – SPY and correlations are all to the </a:t>
+            </a:r>
+            <a:r>
+              <a:rPr lang="en-US" baseline="0" dirty="0" smtClean="0"/>
+              <a:t>left</a:t>
+            </a:r>
+          </a:p>
+          <a:p>
+            <a:pPr marL="171450" indent="-171450">
+              <a:buFont typeface="Wingdings" panose="05000000000000000000" pitchFamily="2" charset="2"/>
+              <a:buChar char="Ø"/>
+            </a:pPr>
+            <a:endParaRPr lang="en-US" baseline="0" dirty="0" smtClean="0"/>
+          </a:p>
+          <a:p>
+            <a:pPr marL="171450" indent="-171450">
+              <a:buFont typeface="Wingdings" panose="05000000000000000000" pitchFamily="2" charset="2"/>
+              <a:buChar char="Ø"/>
+            </a:pPr>
+            <a:r>
+              <a:rPr lang="en-US" baseline="0" dirty="0" smtClean="0"/>
+              <a:t>We drop the main diagonal of the correlation matrix to further avoid unnecessary clutter: remember we are to make the primary information as accessible as possible</a:t>
+            </a:r>
+            <a:endParaRPr lang="en-US" baseline="0" dirty="0" smtClean="0"/>
+          </a:p>
+          <a:p>
+            <a:endParaRPr lang="en-US" baseline="0" dirty="0" smtClean="0"/>
+          </a:p>
+          <a:p>
             <a:endParaRPr lang="en-US" dirty="0"/>
           </a:p>
         </p:txBody>
@@ -740,7 +808,7 @@
           <a:p>
             <a:fld id="{AE1DE67C-C920-44E4-BE40-876EA236BA1A}" type="slidenum">
               <a:rPr lang="en-US" smtClean="0"/>
-              <a:t>17</a:t>
+              <a:t>13</a:t>
             </a:fld>
             <a:endParaRPr lang="en-US"/>
           </a:p>
@@ -749,7 +817,7 @@
     </p:spTree>
     <p:extLst>
       <p:ext uri="{BB962C8B-B14F-4D97-AF65-F5344CB8AC3E}">
-        <p14:creationId xmlns:p14="http://schemas.microsoft.com/office/powerpoint/2010/main" val="259223185"/>
+        <p14:creationId xmlns:p14="http://schemas.microsoft.com/office/powerpoint/2010/main" val="338671264"/>
       </p:ext>
     </p:extLst>
   </p:cSld>
@@ -803,385 +871,130 @@
           <a:bodyPr/>
           <a:lstStyle/>
           <a:p>
-            <a:pPr marL="171450" indent="-171450">
-              <a:buFont typeface="Wingdings" panose="05000000000000000000" pitchFamily="2" charset="2"/>
-              <a:buChar char="Ø"/>
+            <a:pPr marL="0" marR="0" lvl="0" indent="0" algn="l" defTabSz="914400" rtl="0" eaLnBrk="1" fontAlgn="auto" latinLnBrk="0" hangingPunct="1">
+              <a:lnSpc>
+                <a:spcPct val="100000"/>
+              </a:lnSpc>
+              <a:spcBef>
+                <a:spcPts val="0"/>
+              </a:spcBef>
+              <a:spcAft>
+                <a:spcPts val="0"/>
+              </a:spcAft>
+              <a:buClrTx/>
+              <a:buSzTx/>
+              <a:buFontTx/>
+              <a:buNone/>
+              <a:tabLst/>
+              <a:defRPr/>
             </a:pPr>
             <a:r>
-              <a:rPr lang="en-US" sz="1200" b="0" i="0" kern="1200" dirty="0" smtClean="0">
-                <a:solidFill>
-                  <a:schemeClr val="tx1"/>
-                </a:solidFill>
-                <a:effectLst/>
-                <a:latin typeface="+mn-lt"/>
-                <a:ea typeface="+mn-ea"/>
-                <a:cs typeface="+mn-cs"/>
-              </a:rPr>
-              <a:t>The</a:t>
-            </a:r>
-            <a:r>
-              <a:rPr lang="en-US" sz="1200" b="0" i="0" kern="1200" baseline="0" dirty="0" smtClean="0">
-                <a:solidFill>
-                  <a:schemeClr val="tx1"/>
-                </a:solidFill>
-                <a:effectLst/>
-                <a:latin typeface="+mn-lt"/>
-                <a:ea typeface="+mn-ea"/>
-                <a:cs typeface="+mn-cs"/>
-              </a:rPr>
-              <a:t> </a:t>
-            </a:r>
-            <a:r>
-              <a:rPr lang="en-US" sz="1200" b="0" i="0" kern="1200" dirty="0" smtClean="0">
-                <a:solidFill>
-                  <a:schemeClr val="tx1"/>
-                </a:solidFill>
-                <a:effectLst/>
-                <a:latin typeface="+mn-lt"/>
-                <a:ea typeface="+mn-ea"/>
-                <a:cs typeface="+mn-cs"/>
-              </a:rPr>
-              <a:t>first </a:t>
-            </a:r>
-            <a:r>
-              <a:rPr lang="en-US" sz="1200" b="0" i="0" u="none" strike="noStrike" kern="1200" dirty="0" smtClean="0">
-                <a:solidFill>
-                  <a:schemeClr val="tx1"/>
-                </a:solidFill>
-                <a:effectLst/>
-                <a:latin typeface="+mn-lt"/>
-                <a:ea typeface="+mn-ea"/>
-                <a:cs typeface="+mn-cs"/>
-                <a:hlinkClick r:id="rId3" tooltip="Scatter plot"/>
-              </a:rPr>
-              <a:t>scatter plot</a:t>
-            </a:r>
-            <a:r>
-              <a:rPr lang="en-US" sz="1200" b="0" i="0" kern="1200" dirty="0" smtClean="0">
-                <a:solidFill>
-                  <a:schemeClr val="tx1"/>
-                </a:solidFill>
-                <a:effectLst/>
-                <a:latin typeface="+mn-lt"/>
-                <a:ea typeface="+mn-ea"/>
-                <a:cs typeface="+mn-cs"/>
-              </a:rPr>
-              <a:t> (top left) appears to be a simple linear relationship, corresponding to two </a:t>
-            </a:r>
-            <a:r>
-              <a:rPr lang="en-US" sz="1200" b="0" i="0" u="none" strike="noStrike" kern="1200" dirty="0" smtClean="0">
-                <a:solidFill>
-                  <a:schemeClr val="tx1"/>
-                </a:solidFill>
-                <a:effectLst/>
-                <a:latin typeface="+mn-lt"/>
-                <a:ea typeface="+mn-ea"/>
-                <a:cs typeface="+mn-cs"/>
-                <a:hlinkClick r:id="rId4" tooltip="Variable (mathematics)"/>
-              </a:rPr>
-              <a:t>variables</a:t>
-            </a:r>
-            <a:r>
-              <a:rPr lang="en-US" sz="1200" b="0" i="0" kern="1200" dirty="0" smtClean="0">
-                <a:solidFill>
-                  <a:schemeClr val="tx1"/>
-                </a:solidFill>
-                <a:effectLst/>
-                <a:latin typeface="+mn-lt"/>
-                <a:ea typeface="+mn-ea"/>
-                <a:cs typeface="+mn-cs"/>
-              </a:rPr>
-              <a:t> correlated where y could be modelled as </a:t>
-            </a:r>
-            <a:r>
-              <a:rPr lang="en-US" sz="1200" b="0" i="0" u="none" strike="noStrike" kern="1200" dirty="0" err="1" smtClean="0">
-                <a:solidFill>
-                  <a:schemeClr val="tx1"/>
-                </a:solidFill>
-                <a:effectLst/>
-                <a:latin typeface="+mn-lt"/>
-                <a:ea typeface="+mn-ea"/>
-                <a:cs typeface="+mn-cs"/>
-                <a:hlinkClick r:id="rId5" tooltip="Normal distribution"/>
-              </a:rPr>
-              <a:t>gaussian</a:t>
-            </a:r>
-            <a:r>
-              <a:rPr lang="en-US" sz="1200" b="0" i="0" kern="1200" dirty="0" smtClean="0">
-                <a:solidFill>
-                  <a:schemeClr val="tx1"/>
-                </a:solidFill>
-                <a:effectLst/>
-                <a:latin typeface="+mn-lt"/>
-                <a:ea typeface="+mn-ea"/>
-                <a:cs typeface="+mn-cs"/>
-              </a:rPr>
-              <a:t> with mean linearly dependent on x.</a:t>
-            </a:r>
-          </a:p>
-          <a:p>
-            <a:pPr marL="171450" indent="-171450">
-              <a:buFont typeface="Wingdings" panose="05000000000000000000" pitchFamily="2" charset="2"/>
-              <a:buChar char="Ø"/>
+              <a:rPr lang="en-US" sz="1200" dirty="0" smtClean="0"/>
+              <a:t>Now to the pattern seeking. The first thing we notice on the picture is the eye, then our gaze jumps around tracing the head and snout.</a:t>
+            </a:r>
+          </a:p>
+          <a:p>
+            <a:pPr marL="0" marR="0" lvl="0" indent="0" algn="l" defTabSz="914400" rtl="0" eaLnBrk="1" fontAlgn="auto" latinLnBrk="0" hangingPunct="1">
+              <a:lnSpc>
+                <a:spcPct val="100000"/>
+              </a:lnSpc>
+              <a:spcBef>
+                <a:spcPts val="0"/>
+              </a:spcBef>
+              <a:spcAft>
+                <a:spcPts val="0"/>
+              </a:spcAft>
+              <a:buClrTx/>
+              <a:buSzTx/>
+              <a:buFontTx/>
+              <a:buNone/>
+              <a:tabLst/>
+              <a:defRPr/>
             </a:pPr>
-            <a:endParaRPr lang="en-US" sz="1200" b="0" i="0" kern="1200" dirty="0" smtClean="0">
-              <a:solidFill>
-                <a:schemeClr val="tx1"/>
-              </a:solidFill>
-              <a:effectLst/>
-              <a:latin typeface="+mn-lt"/>
-              <a:ea typeface="+mn-ea"/>
-              <a:cs typeface="+mn-cs"/>
-            </a:endParaRPr>
-          </a:p>
-          <a:p>
-            <a:pPr marL="171450" indent="-171450">
-              <a:buFont typeface="Wingdings" panose="05000000000000000000" pitchFamily="2" charset="2"/>
-              <a:buChar char="Ø"/>
+            <a:endParaRPr lang="en-US" sz="1200" dirty="0" smtClean="0"/>
+          </a:p>
+          <a:p>
+            <a:pPr marL="0" marR="0" lvl="0" indent="0" algn="l" defTabSz="914400" rtl="0" eaLnBrk="1" fontAlgn="auto" latinLnBrk="0" hangingPunct="1">
+              <a:lnSpc>
+                <a:spcPct val="100000"/>
+              </a:lnSpc>
+              <a:spcBef>
+                <a:spcPts val="0"/>
+              </a:spcBef>
+              <a:spcAft>
+                <a:spcPts val="0"/>
+              </a:spcAft>
+              <a:buClrTx/>
+              <a:buSzTx/>
+              <a:buFontTx/>
+              <a:buNone/>
+              <a:tabLst/>
+              <a:defRPr/>
             </a:pPr>
             <a:r>
-              <a:rPr lang="en-US" sz="1200" b="0" i="0" kern="1200" dirty="0" smtClean="0">
-                <a:solidFill>
-                  <a:schemeClr val="tx1"/>
-                </a:solidFill>
-                <a:effectLst/>
-                <a:latin typeface="+mn-lt"/>
-                <a:ea typeface="+mn-ea"/>
-                <a:cs typeface="+mn-cs"/>
-              </a:rPr>
-              <a:t>The second graph (top right) is not distributed normally; while a relationship between the two variables is obvious, it is not linear, and the </a:t>
-            </a:r>
-            <a:r>
-              <a:rPr lang="en-US" sz="1200" b="0" i="0" u="none" strike="noStrike" kern="1200" dirty="0" smtClean="0">
-                <a:solidFill>
-                  <a:schemeClr val="tx1"/>
-                </a:solidFill>
-                <a:effectLst/>
-                <a:latin typeface="+mn-lt"/>
-                <a:ea typeface="+mn-ea"/>
-                <a:cs typeface="+mn-cs"/>
-                <a:hlinkClick r:id="rId6" tooltip="Pearson correlation coefficient"/>
-              </a:rPr>
-              <a:t>Pearson correlation coefficient</a:t>
-            </a:r>
-            <a:r>
-              <a:rPr lang="en-US" sz="1200" b="0" i="0" kern="1200" dirty="0" smtClean="0">
-                <a:solidFill>
-                  <a:schemeClr val="tx1"/>
-                </a:solidFill>
-                <a:effectLst/>
-                <a:latin typeface="+mn-lt"/>
-                <a:ea typeface="+mn-ea"/>
-                <a:cs typeface="+mn-cs"/>
-              </a:rPr>
-              <a:t> is not relevant. A more general regression and the corresponding </a:t>
-            </a:r>
-            <a:r>
-              <a:rPr lang="en-US" sz="1200" b="0" i="0" u="none" strike="noStrike" kern="1200" dirty="0" smtClean="0">
-                <a:solidFill>
-                  <a:schemeClr val="tx1"/>
-                </a:solidFill>
-                <a:effectLst/>
-                <a:latin typeface="+mn-lt"/>
-                <a:ea typeface="+mn-ea"/>
-                <a:cs typeface="+mn-cs"/>
-                <a:hlinkClick r:id="rId7" tooltip="Coefficient of determination"/>
-              </a:rPr>
-              <a:t>coefficient of determination</a:t>
-            </a:r>
-            <a:r>
-              <a:rPr lang="en-US" sz="1200" b="0" i="0" kern="1200" dirty="0" smtClean="0">
-                <a:solidFill>
-                  <a:schemeClr val="tx1"/>
-                </a:solidFill>
-                <a:effectLst/>
-                <a:latin typeface="+mn-lt"/>
-                <a:ea typeface="+mn-ea"/>
-                <a:cs typeface="+mn-cs"/>
-              </a:rPr>
-              <a:t> would be more appropriate.</a:t>
-            </a:r>
-          </a:p>
-          <a:p>
-            <a:pPr marL="171450" indent="-171450">
-              <a:buFont typeface="Wingdings" panose="05000000000000000000" pitchFamily="2" charset="2"/>
-              <a:buChar char="Ø"/>
+              <a:rPr lang="en-US" sz="1200" dirty="0" smtClean="0"/>
+              <a:t>Note that the eye is close</a:t>
+            </a:r>
+            <a:r>
+              <a:rPr lang="en-US" sz="1200" baseline="0" dirty="0" smtClean="0"/>
+              <a:t> to the center of the slide and image, and the most salient part of the image is situated in the top-left / middle</a:t>
+            </a:r>
+            <a:endParaRPr lang="en-US" sz="1200" dirty="0" smtClean="0"/>
+          </a:p>
+          <a:p>
+            <a:pPr marL="0" marR="0" lvl="0" indent="0" algn="l" defTabSz="914400" rtl="0" eaLnBrk="1" fontAlgn="auto" latinLnBrk="0" hangingPunct="1">
+              <a:lnSpc>
+                <a:spcPct val="100000"/>
+              </a:lnSpc>
+              <a:spcBef>
+                <a:spcPts val="0"/>
+              </a:spcBef>
+              <a:spcAft>
+                <a:spcPts val="0"/>
+              </a:spcAft>
+              <a:buClrTx/>
+              <a:buSzTx/>
+              <a:buFontTx/>
+              <a:buNone/>
+              <a:tabLst/>
+              <a:defRPr/>
             </a:pPr>
-            <a:endParaRPr lang="en-US" sz="1200" b="0" i="0" kern="1200" dirty="0" smtClean="0">
-              <a:solidFill>
-                <a:schemeClr val="tx1"/>
-              </a:solidFill>
-              <a:effectLst/>
-              <a:latin typeface="+mn-lt"/>
-              <a:ea typeface="+mn-ea"/>
-              <a:cs typeface="+mn-cs"/>
-            </a:endParaRPr>
-          </a:p>
-          <a:p>
-            <a:pPr marL="171450" indent="-171450">
-              <a:buFont typeface="Wingdings" panose="05000000000000000000" pitchFamily="2" charset="2"/>
-              <a:buChar char="Ø"/>
+            <a:endParaRPr lang="en-US" sz="1200" dirty="0" smtClean="0"/>
+          </a:p>
+          <a:p>
+            <a:pPr marL="0" marR="0" lvl="0" indent="0" algn="l" defTabSz="914400" rtl="0" eaLnBrk="1" fontAlgn="auto" latinLnBrk="0" hangingPunct="1">
+              <a:lnSpc>
+                <a:spcPct val="100000"/>
+              </a:lnSpc>
+              <a:spcBef>
+                <a:spcPts val="0"/>
+              </a:spcBef>
+              <a:spcAft>
+                <a:spcPts val="0"/>
+              </a:spcAft>
+              <a:buClrTx/>
+              <a:buSzTx/>
+              <a:buFontTx/>
+              <a:buNone/>
+              <a:tabLst/>
+              <a:defRPr/>
             </a:pPr>
             <a:r>
-              <a:rPr lang="en-US" sz="1200" b="0" i="0" kern="1200" dirty="0" smtClean="0">
-                <a:solidFill>
-                  <a:schemeClr val="tx1"/>
-                </a:solidFill>
-                <a:effectLst/>
-                <a:latin typeface="+mn-lt"/>
-                <a:ea typeface="+mn-ea"/>
-                <a:cs typeface="+mn-cs"/>
-              </a:rPr>
-              <a:t>In the third graph (bottom left), the distribution is linear, but should have a different </a:t>
-            </a:r>
-            <a:r>
-              <a:rPr lang="en-US" sz="1200" b="0" i="0" u="none" strike="noStrike" kern="1200" dirty="0" smtClean="0">
-                <a:solidFill>
-                  <a:schemeClr val="tx1"/>
-                </a:solidFill>
-                <a:effectLst/>
-                <a:latin typeface="+mn-lt"/>
-                <a:ea typeface="+mn-ea"/>
-                <a:cs typeface="+mn-cs"/>
-                <a:hlinkClick r:id="rId8" tooltip="Regression line"/>
-              </a:rPr>
-              <a:t>regression line</a:t>
-            </a:r>
-            <a:r>
-              <a:rPr lang="en-US" sz="1200" b="0" i="0" kern="1200" dirty="0" smtClean="0">
-                <a:solidFill>
-                  <a:schemeClr val="tx1"/>
-                </a:solidFill>
-                <a:effectLst/>
-                <a:latin typeface="+mn-lt"/>
-                <a:ea typeface="+mn-ea"/>
-                <a:cs typeface="+mn-cs"/>
-              </a:rPr>
-              <a:t> (a </a:t>
-            </a:r>
-            <a:r>
-              <a:rPr lang="en-US" sz="1200" b="0" i="0" u="none" strike="noStrike" kern="1200" dirty="0" smtClean="0">
-                <a:solidFill>
-                  <a:schemeClr val="tx1"/>
-                </a:solidFill>
-                <a:effectLst/>
-                <a:latin typeface="+mn-lt"/>
-                <a:ea typeface="+mn-ea"/>
-                <a:cs typeface="+mn-cs"/>
-                <a:hlinkClick r:id="rId9" tooltip="Robust regression"/>
-              </a:rPr>
-              <a:t>robust regression</a:t>
-            </a:r>
-            <a:r>
-              <a:rPr lang="en-US" sz="1200" b="0" i="0" kern="1200" dirty="0" smtClean="0">
-                <a:solidFill>
-                  <a:schemeClr val="tx1"/>
-                </a:solidFill>
-                <a:effectLst/>
-                <a:latin typeface="+mn-lt"/>
-                <a:ea typeface="+mn-ea"/>
-                <a:cs typeface="+mn-cs"/>
-              </a:rPr>
-              <a:t> would have been called for). The calculated regression is offset by the one </a:t>
-            </a:r>
-            <a:r>
-              <a:rPr lang="en-US" sz="1200" b="0" i="0" u="none" strike="noStrike" kern="1200" dirty="0" smtClean="0">
-                <a:solidFill>
-                  <a:schemeClr val="tx1"/>
-                </a:solidFill>
-                <a:effectLst/>
-                <a:latin typeface="+mn-lt"/>
-                <a:ea typeface="+mn-ea"/>
-                <a:cs typeface="+mn-cs"/>
-                <a:hlinkClick r:id="rId10" tooltip="Outlier"/>
-              </a:rPr>
-              <a:t>outlier</a:t>
-            </a:r>
-            <a:r>
-              <a:rPr lang="en-US" sz="1200" b="0" i="0" kern="1200" dirty="0" smtClean="0">
-                <a:solidFill>
-                  <a:schemeClr val="tx1"/>
-                </a:solidFill>
-                <a:effectLst/>
-                <a:latin typeface="+mn-lt"/>
-                <a:ea typeface="+mn-ea"/>
-                <a:cs typeface="+mn-cs"/>
-              </a:rPr>
-              <a:t> which exerts enough influence to lower the correlation coefficient from 1 to 0.816.</a:t>
-            </a:r>
-          </a:p>
-          <a:p>
-            <a:pPr marL="0" indent="0">
-              <a:buFont typeface="Wingdings" panose="05000000000000000000" pitchFamily="2" charset="2"/>
-              <a:buNone/>
-            </a:pPr>
-            <a:endParaRPr lang="en-US" sz="1200" b="0" i="0" kern="1200" dirty="0" smtClean="0">
-              <a:solidFill>
-                <a:schemeClr val="tx1"/>
-              </a:solidFill>
-              <a:effectLst/>
-              <a:latin typeface="+mn-lt"/>
-              <a:ea typeface="+mn-ea"/>
-              <a:cs typeface="+mn-cs"/>
-            </a:endParaRPr>
-          </a:p>
-          <a:p>
-            <a:pPr marL="171450" indent="-171450">
-              <a:buFont typeface="Wingdings" panose="05000000000000000000" pitchFamily="2" charset="2"/>
-              <a:buChar char="Ø"/>
-            </a:pPr>
-            <a:r>
-              <a:rPr lang="en-US" sz="1200" b="0" i="0" kern="1200" dirty="0" smtClean="0">
-                <a:solidFill>
-                  <a:schemeClr val="tx1"/>
-                </a:solidFill>
-                <a:effectLst/>
-                <a:latin typeface="+mn-lt"/>
-                <a:ea typeface="+mn-ea"/>
-                <a:cs typeface="+mn-cs"/>
-              </a:rPr>
-              <a:t>Finally, the fourth graph (bottom right) shows an example when one </a:t>
-            </a:r>
-            <a:r>
-              <a:rPr lang="en-US" sz="1200" b="0" i="0" u="none" strike="noStrike" kern="1200" dirty="0" smtClean="0">
-                <a:solidFill>
-                  <a:schemeClr val="tx1"/>
-                </a:solidFill>
-                <a:effectLst/>
-                <a:latin typeface="+mn-lt"/>
-                <a:ea typeface="+mn-ea"/>
-                <a:cs typeface="+mn-cs"/>
-                <a:hlinkClick r:id="rId11" tooltip="High-leverage point"/>
-              </a:rPr>
-              <a:t>high-leverage point</a:t>
-            </a:r>
-            <a:r>
-              <a:rPr lang="en-US" sz="1200" b="0" i="0" kern="1200" dirty="0" smtClean="0">
-                <a:solidFill>
-                  <a:schemeClr val="tx1"/>
-                </a:solidFill>
-                <a:effectLst/>
-                <a:latin typeface="+mn-lt"/>
-                <a:ea typeface="+mn-ea"/>
-                <a:cs typeface="+mn-cs"/>
-              </a:rPr>
-              <a:t> is enough to produce a high correlation coefficient, even though the other data points do not indicate any relationship between the variables.</a:t>
-            </a:r>
-          </a:p>
-          <a:p>
-            <a:pPr marL="171450" indent="-171450">
-              <a:buFont typeface="Wingdings" panose="05000000000000000000" pitchFamily="2" charset="2"/>
-              <a:buChar char="Ø"/>
-            </a:pPr>
-            <a:endParaRPr lang="en-US" sz="1200" b="0" i="0" kern="1200" dirty="0" smtClean="0">
-              <a:solidFill>
-                <a:schemeClr val="tx1"/>
-              </a:solidFill>
-              <a:effectLst/>
-              <a:latin typeface="+mn-lt"/>
-              <a:ea typeface="+mn-ea"/>
-              <a:cs typeface="+mn-cs"/>
-            </a:endParaRPr>
+              <a:rPr lang="en-US" sz="1200" baseline="0" dirty="0" smtClean="0"/>
+              <a:t>We </a:t>
+            </a:r>
+            <a:r>
+              <a:rPr lang="en-US" sz="1200" baseline="0" dirty="0" smtClean="0"/>
+              <a:t>decode the image in a rather predictable fashion, we can exploit it to craft </a:t>
+            </a:r>
+            <a:r>
+              <a:rPr lang="en-US" sz="1200" baseline="0" dirty="0" smtClean="0"/>
+              <a:t>impactful visuals</a:t>
+            </a:r>
+            <a:endParaRPr lang="en-US" sz="1200" dirty="0" smtClean="0"/>
+          </a:p>
+          <a:p>
+            <a:endParaRPr lang="en-US" dirty="0"/>
           </a:p>
         </p:txBody>
       </p:sp>
@@ -1202,7 +1015,7 @@
           <a:p>
             <a:fld id="{AE1DE67C-C920-44E4-BE40-876EA236BA1A}" type="slidenum">
               <a:rPr lang="en-US" smtClean="0"/>
-              <a:t>18</a:t>
+              <a:t>14</a:t>
             </a:fld>
             <a:endParaRPr lang="en-US"/>
           </a:p>
@@ -1211,7 +1024,7 @@
     </p:spTree>
     <p:extLst>
       <p:ext uri="{BB962C8B-B14F-4D97-AF65-F5344CB8AC3E}">
-        <p14:creationId xmlns:p14="http://schemas.microsoft.com/office/powerpoint/2010/main" val="4215125474"/>
+        <p14:creationId xmlns:p14="http://schemas.microsoft.com/office/powerpoint/2010/main" val="199563598"/>
       </p:ext>
     </p:extLst>
   </p:cSld>
@@ -1265,14 +1078,351 @@
           <a:bodyPr/>
           <a:lstStyle/>
           <a:p>
-            <a:r>
-              <a:rPr lang="en-US" dirty="0" smtClean="0"/>
-              <a:t>Here we have the</a:t>
-            </a:r>
-            <a:r>
-              <a:rPr lang="en-US" baseline="0" dirty="0" smtClean="0"/>
-              <a:t> mandatory quote</a:t>
-            </a:r>
+            <a:pPr marL="228600" marR="0" lvl="0" indent="-228600" algn="l" defTabSz="914400" rtl="0" eaLnBrk="1" fontAlgn="auto" latinLnBrk="0" hangingPunct="1">
+              <a:lnSpc>
+                <a:spcPct val="125000"/>
+              </a:lnSpc>
+              <a:spcBef>
+                <a:spcPts val="1200"/>
+              </a:spcBef>
+              <a:spcAft>
+                <a:spcPts val="1200"/>
+              </a:spcAft>
+              <a:buClrTx/>
+              <a:buSzTx/>
+              <a:buFont typeface="Arial" panose="020B0604020202020204" pitchFamily="34" charset="0"/>
+              <a:buChar char="•"/>
+              <a:tabLst/>
+              <a:defRPr/>
+            </a:pPr>
+            <a:r>
+              <a:rPr kumimoji="0" lang="en-US" sz="2400" b="0" i="0" u="none" strike="noStrike" kern="1200" cap="none" spc="0" normalizeH="0" baseline="0" noProof="0" dirty="0" smtClean="0">
+                <a:ln>
+                  <a:noFill/>
+                </a:ln>
+                <a:solidFill>
+                  <a:prstClr val="black"/>
+                </a:solidFill>
+                <a:effectLst/>
+                <a:uLnTx/>
+                <a:uFillTx/>
+                <a:latin typeface="+mn-lt"/>
+                <a:ea typeface="+mn-ea"/>
+                <a:cs typeface="+mn-cs"/>
+              </a:rPr>
+              <a:t>Humans receive disproportionally large share of information from vision in comparison to other senses</a:t>
+            </a:r>
+          </a:p>
+          <a:p>
+            <a:pPr marL="228600" marR="0" lvl="0" indent="-228600" algn="l" defTabSz="914400" rtl="0" eaLnBrk="1" fontAlgn="auto" latinLnBrk="0" hangingPunct="1">
+              <a:lnSpc>
+                <a:spcPct val="125000"/>
+              </a:lnSpc>
+              <a:spcBef>
+                <a:spcPts val="1200"/>
+              </a:spcBef>
+              <a:spcAft>
+                <a:spcPts val="1200"/>
+              </a:spcAft>
+              <a:buClrTx/>
+              <a:buSzTx/>
+              <a:buFont typeface="Arial" panose="020B0604020202020204" pitchFamily="34" charset="0"/>
+              <a:buChar char="•"/>
+              <a:tabLst/>
+              <a:defRPr/>
+            </a:pPr>
+            <a:endParaRPr kumimoji="0" lang="en-US" sz="2400" b="0" i="0" u="none" strike="noStrike" kern="1200" cap="none" spc="0" normalizeH="0" baseline="0" noProof="0" dirty="0" smtClean="0">
+              <a:ln>
+                <a:noFill/>
+              </a:ln>
+              <a:solidFill>
+                <a:prstClr val="black"/>
+              </a:solidFill>
+              <a:effectLst/>
+              <a:uLnTx/>
+              <a:uFillTx/>
+              <a:latin typeface="+mn-lt"/>
+              <a:ea typeface="+mn-ea"/>
+              <a:cs typeface="+mn-cs"/>
+            </a:endParaRPr>
+          </a:p>
+          <a:p>
+            <a:pPr marL="228600" marR="0" lvl="0" indent="-228600" algn="l" defTabSz="914400" rtl="0" eaLnBrk="1" fontAlgn="auto" latinLnBrk="0" hangingPunct="1">
+              <a:lnSpc>
+                <a:spcPct val="125000"/>
+              </a:lnSpc>
+              <a:spcBef>
+                <a:spcPts val="1200"/>
+              </a:spcBef>
+              <a:spcAft>
+                <a:spcPts val="1200"/>
+              </a:spcAft>
+              <a:buClrTx/>
+              <a:buSzTx/>
+              <a:buFont typeface="Arial" panose="020B0604020202020204" pitchFamily="34" charset="0"/>
+              <a:buChar char="•"/>
+              <a:tabLst/>
+              <a:defRPr/>
+            </a:pPr>
+            <a:r>
+              <a:rPr kumimoji="0" lang="en-US" sz="2400" b="0" i="0" u="none" strike="noStrike" kern="1200" cap="none" spc="0" normalizeH="0" baseline="0" noProof="0" dirty="0" smtClean="0">
+                <a:ln>
+                  <a:noFill/>
+                </a:ln>
+                <a:solidFill>
+                  <a:prstClr val="black"/>
+                </a:solidFill>
+                <a:effectLst/>
+                <a:uLnTx/>
+                <a:uFillTx/>
+                <a:latin typeface="+mn-lt"/>
+                <a:ea typeface="+mn-ea"/>
+                <a:cs typeface="+mn-cs"/>
+              </a:rPr>
+              <a:t>Visualization is information/knowledge compression, we are bad at comprehending large collections of objects like raw numbers</a:t>
+            </a:r>
+          </a:p>
+          <a:p>
+            <a:pPr marL="228600" marR="0" lvl="0" indent="-228600" algn="l" defTabSz="914400" rtl="0" eaLnBrk="1" fontAlgn="auto" latinLnBrk="0" hangingPunct="1">
+              <a:lnSpc>
+                <a:spcPct val="125000"/>
+              </a:lnSpc>
+              <a:spcBef>
+                <a:spcPts val="1200"/>
+              </a:spcBef>
+              <a:spcAft>
+                <a:spcPts val="1200"/>
+              </a:spcAft>
+              <a:buClrTx/>
+              <a:buSzTx/>
+              <a:buFont typeface="Arial" panose="020B0604020202020204" pitchFamily="34" charset="0"/>
+              <a:buChar char="•"/>
+              <a:tabLst/>
+              <a:defRPr/>
+            </a:pPr>
+            <a:endParaRPr kumimoji="0" lang="en-US" sz="2400" b="0" i="0" u="none" strike="noStrike" kern="1200" cap="none" spc="0" normalizeH="0" baseline="0" noProof="0" dirty="0" smtClean="0">
+              <a:ln>
+                <a:noFill/>
+              </a:ln>
+              <a:solidFill>
+                <a:prstClr val="black"/>
+              </a:solidFill>
+              <a:effectLst/>
+              <a:uLnTx/>
+              <a:uFillTx/>
+              <a:latin typeface="+mn-lt"/>
+              <a:ea typeface="+mn-ea"/>
+              <a:cs typeface="+mn-cs"/>
+            </a:endParaRPr>
+          </a:p>
+          <a:p>
+            <a:pPr marL="228600" marR="0" lvl="0" indent="-228600" algn="l" defTabSz="914400" rtl="0" eaLnBrk="1" fontAlgn="auto" latinLnBrk="0" hangingPunct="1">
+              <a:lnSpc>
+                <a:spcPct val="125000"/>
+              </a:lnSpc>
+              <a:spcBef>
+                <a:spcPts val="1200"/>
+              </a:spcBef>
+              <a:spcAft>
+                <a:spcPts val="1200"/>
+              </a:spcAft>
+              <a:buClrTx/>
+              <a:buSzTx/>
+              <a:buFont typeface="Arial" panose="020B0604020202020204" pitchFamily="34" charset="0"/>
+              <a:buChar char="•"/>
+              <a:tabLst/>
+              <a:defRPr/>
+            </a:pPr>
+            <a:r>
+              <a:rPr kumimoji="0" lang="en-US" sz="2400" b="0" i="0" u="none" strike="noStrike" kern="1200" cap="none" spc="0" normalizeH="0" baseline="0" noProof="0" dirty="0" smtClean="0">
+                <a:ln>
+                  <a:noFill/>
+                </a:ln>
+                <a:solidFill>
+                  <a:prstClr val="black"/>
+                </a:solidFill>
+                <a:effectLst/>
+                <a:uLnTx/>
+                <a:uFillTx/>
+                <a:latin typeface="+mn-lt"/>
+                <a:ea typeface="+mn-ea"/>
+                <a:cs typeface="+mn-cs"/>
+              </a:rPr>
+              <a:t>Other compression methods like descriptive statistics can miss important features of the dataset at hand, especially if the data is not </a:t>
+            </a:r>
+            <a:r>
+              <a:rPr kumimoji="0" lang="en-US" sz="2400" b="0" i="0" u="none" strike="noStrike" kern="1200" cap="none" spc="0" normalizeH="0" baseline="0" noProof="0" dirty="0" err="1" smtClean="0">
+                <a:ln>
+                  <a:noFill/>
+                </a:ln>
+                <a:solidFill>
+                  <a:prstClr val="black"/>
+                </a:solidFill>
+                <a:effectLst/>
+                <a:uLnTx/>
+                <a:uFillTx/>
+                <a:latin typeface="+mn-lt"/>
+                <a:ea typeface="+mn-ea"/>
+                <a:cs typeface="+mn-cs"/>
+              </a:rPr>
+              <a:t>iid</a:t>
+            </a:r>
+            <a:r>
+              <a:rPr kumimoji="0" lang="en-US" sz="2400" b="0" i="0" u="none" strike="noStrike" kern="1200" cap="none" spc="0" normalizeH="0" baseline="0" noProof="0" dirty="0" smtClean="0">
+                <a:ln>
+                  <a:noFill/>
+                </a:ln>
+                <a:solidFill>
+                  <a:prstClr val="black"/>
+                </a:solidFill>
+                <a:effectLst/>
+                <a:uLnTx/>
+                <a:uFillTx/>
+                <a:latin typeface="+mn-lt"/>
+                <a:ea typeface="+mn-ea"/>
+                <a:cs typeface="+mn-cs"/>
+              </a:rPr>
+              <a:t>. </a:t>
+            </a:r>
+          </a:p>
+          <a:p>
+            <a:pPr marL="228600" marR="0" lvl="0" indent="-228600" algn="l" defTabSz="914400" rtl="0" eaLnBrk="1" fontAlgn="auto" latinLnBrk="0" hangingPunct="1">
+              <a:lnSpc>
+                <a:spcPct val="125000"/>
+              </a:lnSpc>
+              <a:spcBef>
+                <a:spcPts val="1200"/>
+              </a:spcBef>
+              <a:spcAft>
+                <a:spcPts val="1200"/>
+              </a:spcAft>
+              <a:buClrTx/>
+              <a:buSzTx/>
+              <a:buFont typeface="Arial" panose="020B0604020202020204" pitchFamily="34" charset="0"/>
+              <a:buChar char="•"/>
+              <a:tabLst/>
+              <a:defRPr/>
+            </a:pPr>
+            <a:endParaRPr kumimoji="0" lang="en-US" sz="2400" b="0" i="0" u="none" strike="noStrike" kern="1200" cap="none" spc="0" normalizeH="0" baseline="0" noProof="0" dirty="0" smtClean="0">
+              <a:ln>
+                <a:noFill/>
+              </a:ln>
+              <a:solidFill>
+                <a:prstClr val="black"/>
+              </a:solidFill>
+              <a:effectLst/>
+              <a:uLnTx/>
+              <a:uFillTx/>
+              <a:latin typeface="+mn-lt"/>
+              <a:ea typeface="+mn-ea"/>
+              <a:cs typeface="+mn-cs"/>
+            </a:endParaRPr>
+          </a:p>
+          <a:p>
+            <a:pPr marL="228600" marR="0" lvl="0" indent="-228600" algn="l" defTabSz="914400" rtl="0" eaLnBrk="1" fontAlgn="auto" latinLnBrk="0" hangingPunct="1">
+              <a:lnSpc>
+                <a:spcPct val="125000"/>
+              </a:lnSpc>
+              <a:spcBef>
+                <a:spcPts val="1200"/>
+              </a:spcBef>
+              <a:spcAft>
+                <a:spcPts val="1200"/>
+              </a:spcAft>
+              <a:buClrTx/>
+              <a:buSzTx/>
+              <a:buFont typeface="Arial" panose="020B0604020202020204" pitchFamily="34" charset="0"/>
+              <a:buChar char="•"/>
+              <a:tabLst/>
+              <a:defRPr/>
+            </a:pPr>
+            <a:r>
+              <a:rPr kumimoji="0" lang="en-US" sz="2400" b="0" i="0" u="none" strike="noStrike" kern="1200" cap="none" spc="0" normalizeH="0" baseline="0" noProof="0" dirty="0" smtClean="0">
+                <a:ln>
+                  <a:noFill/>
+                </a:ln>
+                <a:solidFill>
+                  <a:prstClr val="black"/>
+                </a:solidFill>
+                <a:effectLst/>
+                <a:uLnTx/>
+                <a:uFillTx/>
+                <a:latin typeface="+mn-lt"/>
+                <a:ea typeface="+mn-ea"/>
+                <a:cs typeface="+mn-cs"/>
+              </a:rPr>
+              <a:t>It really helps you to tell </a:t>
+            </a:r>
+            <a:r>
+              <a:rPr kumimoji="0" lang="en-US" sz="2400" b="0" i="1" u="none" strike="noStrike" kern="1200" cap="none" spc="0" normalizeH="0" baseline="0" noProof="0" dirty="0" smtClean="0">
+                <a:ln>
+                  <a:noFill/>
+                </a:ln>
+                <a:solidFill>
+                  <a:prstClr val="black"/>
+                </a:solidFill>
+                <a:effectLst/>
+                <a:uLnTx/>
+                <a:uFillTx/>
+                <a:latin typeface="+mn-lt"/>
+                <a:ea typeface="+mn-ea"/>
+                <a:cs typeface="+mn-cs"/>
+              </a:rPr>
+              <a:t>your</a:t>
+            </a:r>
+            <a:r>
+              <a:rPr kumimoji="0" lang="en-US" sz="2400" b="0" i="0" u="none" strike="noStrike" kern="1200" cap="none" spc="0" normalizeH="0" baseline="0" noProof="0" dirty="0" smtClean="0">
+                <a:ln>
+                  <a:noFill/>
+                </a:ln>
+                <a:solidFill>
+                  <a:prstClr val="black"/>
+                </a:solidFill>
+                <a:effectLst/>
+                <a:uLnTx/>
+                <a:uFillTx/>
+                <a:latin typeface="+mn-lt"/>
+                <a:ea typeface="+mn-ea"/>
+                <a:cs typeface="+mn-cs"/>
+              </a:rPr>
+              <a:t> story, control the narrative and emphasize what </a:t>
+            </a:r>
+            <a:r>
+              <a:rPr kumimoji="0" lang="en-US" sz="2400" b="0" i="1" u="none" strike="noStrike" kern="1200" cap="none" spc="0" normalizeH="0" baseline="0" noProof="0" dirty="0" smtClean="0">
+                <a:ln>
+                  <a:noFill/>
+                </a:ln>
+                <a:solidFill>
+                  <a:prstClr val="black"/>
+                </a:solidFill>
+                <a:effectLst/>
+                <a:uLnTx/>
+                <a:uFillTx/>
+                <a:latin typeface="+mn-lt"/>
+                <a:ea typeface="+mn-ea"/>
+                <a:cs typeface="+mn-cs"/>
+              </a:rPr>
+              <a:t>you</a:t>
+            </a:r>
+            <a:r>
+              <a:rPr kumimoji="0" lang="en-US" sz="2400" b="0" i="0" u="none" strike="noStrike" kern="1200" cap="none" spc="0" normalizeH="0" baseline="0" noProof="0" dirty="0" smtClean="0">
+                <a:ln>
+                  <a:noFill/>
+                </a:ln>
+                <a:solidFill>
+                  <a:prstClr val="black"/>
+                </a:solidFill>
+                <a:effectLst/>
+                <a:uLnTx/>
+                <a:uFillTx/>
+                <a:latin typeface="+mn-lt"/>
+                <a:ea typeface="+mn-ea"/>
+                <a:cs typeface="+mn-cs"/>
+              </a:rPr>
+              <a:t> think is important</a:t>
+            </a:r>
+          </a:p>
+          <a:p>
             <a:endParaRPr lang="en-US" dirty="0"/>
           </a:p>
         </p:txBody>
@@ -1294,7 +1444,7 @@
           <a:p>
             <a:fld id="{AE1DE67C-C920-44E4-BE40-876EA236BA1A}" type="slidenum">
               <a:rPr lang="en-US" smtClean="0"/>
-              <a:t>19</a:t>
+              <a:t>15</a:t>
             </a:fld>
             <a:endParaRPr lang="en-US"/>
           </a:p>
@@ -1303,7 +1453,7 @@
     </p:spTree>
     <p:extLst>
       <p:ext uri="{BB962C8B-B14F-4D97-AF65-F5344CB8AC3E}">
-        <p14:creationId xmlns:p14="http://schemas.microsoft.com/office/powerpoint/2010/main" val="3474633487"/>
+        <p14:creationId xmlns:p14="http://schemas.microsoft.com/office/powerpoint/2010/main" val="829185589"/>
       </p:ext>
     </p:extLst>
   </p:cSld>
@@ -1357,55 +1507,6 @@
           <a:bodyPr/>
           <a:lstStyle/>
           <a:p>
-            <a:r>
-              <a:rPr lang="en-US" dirty="0" smtClean="0"/>
-              <a:t>Yes,</a:t>
-            </a:r>
-            <a:r>
-              <a:rPr lang="en-US" baseline="0" dirty="0" smtClean="0"/>
-              <a:t> it’s another mandatory pie chart example</a:t>
-            </a:r>
-          </a:p>
-          <a:p>
-            <a:endParaRPr lang="en-US" baseline="0" dirty="0" smtClean="0"/>
-          </a:p>
-          <a:p>
-            <a:r>
-              <a:rPr lang="en-US" sz="1200" b="0" i="0" kern="1200" dirty="0" smtClean="0">
-                <a:solidFill>
-                  <a:schemeClr val="tx1"/>
-                </a:solidFill>
-                <a:effectLst/>
-                <a:latin typeface="+mn-lt"/>
-                <a:ea typeface="+mn-ea"/>
-                <a:cs typeface="+mn-cs"/>
-              </a:rPr>
-              <a:t>What is the point of using a 3-D pie chart with five sections and two </a:t>
-            </a:r>
-            <a:r>
-              <a:rPr lang="en-US" sz="1200" b="0" i="0" kern="1200" dirty="0" err="1" smtClean="0">
-                <a:solidFill>
-                  <a:schemeClr val="tx1"/>
-                </a:solidFill>
-                <a:effectLst/>
-                <a:latin typeface="+mn-lt"/>
-                <a:ea typeface="+mn-ea"/>
-                <a:cs typeface="+mn-cs"/>
-              </a:rPr>
-              <a:t>datapoint</a:t>
-            </a:r>
-            <a:r>
-              <a:rPr lang="en-US" sz="1200" b="0" i="0" kern="1200" dirty="0" smtClean="0">
-                <a:solidFill>
-                  <a:schemeClr val="tx1"/>
-                </a:solidFill>
-                <a:effectLst/>
-                <a:latin typeface="+mn-lt"/>
-                <a:ea typeface="+mn-ea"/>
-                <a:cs typeface="+mn-cs"/>
-              </a:rPr>
-              <a:t>, except for its resemblance of a wheel of cheese?</a:t>
-            </a:r>
             <a:endParaRPr lang="en-US" dirty="0"/>
           </a:p>
         </p:txBody>
@@ -1427,7 +1528,7 @@
           <a:p>
             <a:fld id="{AE1DE67C-C920-44E4-BE40-876EA236BA1A}" type="slidenum">
               <a:rPr lang="en-US" smtClean="0"/>
-              <a:t>20</a:t>
+              <a:t>16</a:t>
             </a:fld>
             <a:endParaRPr lang="en-US"/>
           </a:p>
@@ -1436,7 +1537,7 @@
     </p:spTree>
     <p:extLst>
       <p:ext uri="{BB962C8B-B14F-4D97-AF65-F5344CB8AC3E}">
-        <p14:creationId xmlns:p14="http://schemas.microsoft.com/office/powerpoint/2010/main" val="3996696954"/>
+        <p14:creationId xmlns:p14="http://schemas.microsoft.com/office/powerpoint/2010/main" val="2642832892"/>
       </p:ext>
     </p:extLst>
   </p:cSld>
@@ -1490,63 +1591,14 @@
           <a:bodyPr/>
           <a:lstStyle/>
           <a:p>
-            <a:pPr marL="171450" indent="-171450">
-              <a:buFont typeface="Wingdings" panose="05000000000000000000" pitchFamily="2" charset="2"/>
-              <a:buChar char="Ø"/>
-            </a:pPr>
             <a:r>
               <a:rPr lang="en-US" dirty="0" smtClean="0"/>
-              <a:t>A simple </a:t>
-            </a:r>
-            <a:r>
-              <a:rPr lang="en-US" dirty="0" err="1" smtClean="0"/>
-              <a:t>barchart</a:t>
-            </a:r>
-            <a:r>
-              <a:rPr lang="en-US" dirty="0" smtClean="0"/>
-              <a:t> can do the trick: and also depict dynamics. </a:t>
-            </a:r>
-          </a:p>
-          <a:p>
-            <a:pPr marL="171450" indent="-171450">
-              <a:buFont typeface="Wingdings" panose="05000000000000000000" pitchFamily="2" charset="2"/>
-              <a:buChar char="Ø"/>
-            </a:pPr>
-            <a:endParaRPr lang="en-US" dirty="0" smtClean="0"/>
-          </a:p>
-          <a:p>
-            <a:pPr marL="171450" indent="-171450">
-              <a:buFont typeface="Wingdings" panose="05000000000000000000" pitchFamily="2" charset="2"/>
-              <a:buChar char="Ø"/>
-            </a:pPr>
-            <a:r>
-              <a:rPr lang="en-US" dirty="0" smtClean="0"/>
-              <a:t>We perceive height much better than value.</a:t>
-            </a:r>
-          </a:p>
-          <a:p>
-            <a:pPr marL="171450" indent="-171450">
-              <a:buFont typeface="Wingdings" panose="05000000000000000000" pitchFamily="2" charset="2"/>
-              <a:buChar char="Ø"/>
-            </a:pPr>
-            <a:endParaRPr lang="en-US" dirty="0" smtClean="0"/>
-          </a:p>
-          <a:p>
-            <a:pPr marL="171450" indent="-171450">
-              <a:buFont typeface="Wingdings" panose="05000000000000000000" pitchFamily="2" charset="2"/>
-              <a:buChar char="Ø"/>
-            </a:pPr>
-            <a:r>
-              <a:rPr lang="en-US" dirty="0" smtClean="0"/>
-              <a:t>Can we do</a:t>
+              <a:t>Assume</a:t>
             </a:r>
             <a:r>
               <a:rPr lang="en-US" baseline="0" dirty="0" smtClean="0"/>
-              <a:t> better though?</a:t>
-            </a:r>
-            <a:endParaRPr lang="en-US" dirty="0" smtClean="0"/>
-          </a:p>
-          <a:p>
+              <a:t> you are asked to evaluate a dataset of profit</a:t>
+            </a:r>
             <a:endParaRPr lang="en-US" dirty="0"/>
           </a:p>
         </p:txBody>
@@ -1568,7 +1620,7 @@
           <a:p>
             <a:fld id="{AE1DE67C-C920-44E4-BE40-876EA236BA1A}" type="slidenum">
               <a:rPr lang="en-US" smtClean="0"/>
-              <a:t>21</a:t>
+              <a:t>17</a:t>
             </a:fld>
             <a:endParaRPr lang="en-US"/>
           </a:p>
@@ -1577,7 +1629,7 @@
     </p:spTree>
     <p:extLst>
       <p:ext uri="{BB962C8B-B14F-4D97-AF65-F5344CB8AC3E}">
-        <p14:creationId xmlns:p14="http://schemas.microsoft.com/office/powerpoint/2010/main" val="2559871125"/>
+        <p14:creationId xmlns:p14="http://schemas.microsoft.com/office/powerpoint/2010/main" val="259223185"/>
       </p:ext>
     </p:extLst>
   </p:cSld>
@@ -1636,12 +1688,115 @@
               <a:buChar char="Ø"/>
             </a:pPr>
             <a:r>
-              <a:rPr lang="en-US" dirty="0" smtClean="0"/>
-              <a:t>Or an even better version which</a:t>
-            </a:r>
-            <a:r>
-              <a:rPr lang="en-US" baseline="0" dirty="0" smtClean="0"/>
-              <a:t> contains all the information needed. Add some cheese liberally if needed.</a:t>
+              <a:rPr lang="en-US" sz="1200" b="0" i="0" kern="1200" dirty="0" smtClean="0">
+                <a:solidFill>
+                  <a:schemeClr val="tx1"/>
+                </a:solidFill>
+                <a:effectLst/>
+                <a:latin typeface="+mn-lt"/>
+                <a:ea typeface="+mn-ea"/>
+                <a:cs typeface="+mn-cs"/>
+              </a:rPr>
+              <a:t>The</a:t>
+            </a:r>
+            <a:r>
+              <a:rPr lang="en-US" sz="1200" b="0" i="0" kern="1200" baseline="0" dirty="0" smtClean="0">
+                <a:solidFill>
+                  <a:schemeClr val="tx1"/>
+                </a:solidFill>
+                <a:effectLst/>
+                <a:latin typeface="+mn-lt"/>
+                <a:ea typeface="+mn-ea"/>
+                <a:cs typeface="+mn-cs"/>
+              </a:rPr>
+              <a:t> </a:t>
+            </a:r>
+            <a:r>
+              <a:rPr lang="en-US" sz="1200" b="0" i="0" kern="1200" dirty="0" smtClean="0">
+                <a:solidFill>
+                  <a:schemeClr val="tx1"/>
+                </a:solidFill>
+                <a:effectLst/>
+                <a:latin typeface="+mn-lt"/>
+                <a:ea typeface="+mn-ea"/>
+                <a:cs typeface="+mn-cs"/>
+              </a:rPr>
+              <a:t>first </a:t>
+            </a:r>
+            <a:r>
+              <a:rPr lang="en-US" sz="1200" b="0" i="0" u="none" strike="noStrike" kern="1200" dirty="0" smtClean="0">
+                <a:solidFill>
+                  <a:schemeClr val="tx1"/>
+                </a:solidFill>
+                <a:effectLst/>
+                <a:latin typeface="+mn-lt"/>
+                <a:ea typeface="+mn-ea"/>
+                <a:cs typeface="+mn-cs"/>
+                <a:hlinkClick r:id="rId3" tooltip="Scatter plot"/>
+              </a:rPr>
+              <a:t>scatter plot</a:t>
+            </a:r>
+            <a:r>
+              <a:rPr lang="en-US" sz="1200" b="0" i="0" kern="1200" dirty="0" smtClean="0">
+                <a:solidFill>
+                  <a:schemeClr val="tx1"/>
+                </a:solidFill>
+                <a:effectLst/>
+                <a:latin typeface="+mn-lt"/>
+                <a:ea typeface="+mn-ea"/>
+                <a:cs typeface="+mn-cs"/>
+              </a:rPr>
+              <a:t> (top left) appears to be a simple linear relationship, corresponding to two </a:t>
+            </a:r>
+            <a:r>
+              <a:rPr lang="en-US" sz="1200" b="0" i="0" u="none" strike="noStrike" kern="1200" dirty="0" smtClean="0">
+                <a:solidFill>
+                  <a:schemeClr val="tx1"/>
+                </a:solidFill>
+                <a:effectLst/>
+                <a:latin typeface="+mn-lt"/>
+                <a:ea typeface="+mn-ea"/>
+                <a:cs typeface="+mn-cs"/>
+                <a:hlinkClick r:id="rId4" tooltip="Variable (mathematics)"/>
+              </a:rPr>
+              <a:t>variables</a:t>
+            </a:r>
+            <a:r>
+              <a:rPr lang="en-US" sz="1200" b="0" i="0" kern="1200" dirty="0" smtClean="0">
+                <a:solidFill>
+                  <a:schemeClr val="tx1"/>
+                </a:solidFill>
+                <a:effectLst/>
+                <a:latin typeface="+mn-lt"/>
+                <a:ea typeface="+mn-ea"/>
+                <a:cs typeface="+mn-cs"/>
+              </a:rPr>
+              <a:t> correlated where y could be modelled as </a:t>
+            </a:r>
+            <a:r>
+              <a:rPr lang="en-US" sz="1200" b="0" i="0" u="none" strike="noStrike" kern="1200" dirty="0" err="1" smtClean="0">
+                <a:solidFill>
+                  <a:schemeClr val="tx1"/>
+                </a:solidFill>
+                <a:effectLst/>
+                <a:latin typeface="+mn-lt"/>
+                <a:ea typeface="+mn-ea"/>
+                <a:cs typeface="+mn-cs"/>
+                <a:hlinkClick r:id="rId5" tooltip="Normal distribution"/>
+              </a:rPr>
+              <a:t>gaussian</a:t>
+            </a:r>
+            <a:r>
+              <a:rPr lang="en-US" sz="1200" b="0" i="0" kern="1200" dirty="0" smtClean="0">
+                <a:solidFill>
+                  <a:schemeClr val="tx1"/>
+                </a:solidFill>
+                <a:effectLst/>
+                <a:latin typeface="+mn-lt"/>
+                <a:ea typeface="+mn-ea"/>
+                <a:cs typeface="+mn-cs"/>
+              </a:rPr>
+              <a:t> with mean linearly dependent on x.</a:t>
             </a:r>
           </a:p>
           <a:p>
@@ -1649,7 +1804,15 @@
               <a:buFont typeface="Wingdings" panose="05000000000000000000" pitchFamily="2" charset="2"/>
               <a:buChar char="Ø"/>
             </a:pPr>
-            <a:endParaRPr lang="en-US" baseline="0" dirty="0" smtClean="0"/>
+            <a:endParaRPr lang="en-US" sz="1200" b="0" i="0" kern="1200" dirty="0" smtClean="0">
+              <a:solidFill>
+                <a:schemeClr val="tx1"/>
+              </a:solidFill>
+              <a:effectLst/>
+              <a:latin typeface="+mn-lt"/>
+              <a:ea typeface="+mn-ea"/>
+              <a:cs typeface="+mn-cs"/>
+            </a:endParaRPr>
           </a:p>
           <a:p>
             <a:pPr marL="171450" indent="-171450">
@@ -1657,15 +1820,248 @@
               <a:buChar char="Ø"/>
             </a:pPr>
             <a:r>
-              <a:rPr lang="en-US" baseline="0" dirty="0" smtClean="0"/>
-              <a:t>Note that all the important info is at the top left!</a:t>
-            </a:r>
-          </a:p>
-          <a:p>
-            <a:endParaRPr lang="en-US" baseline="0" dirty="0" smtClean="0"/>
-          </a:p>
-          <a:p>
-            <a:endParaRPr lang="en-US" dirty="0"/>
+              <a:rPr lang="en-US" sz="1200" b="0" i="0" kern="1200" dirty="0" smtClean="0">
+                <a:solidFill>
+                  <a:schemeClr val="tx1"/>
+                </a:solidFill>
+                <a:effectLst/>
+                <a:latin typeface="+mn-lt"/>
+                <a:ea typeface="+mn-ea"/>
+                <a:cs typeface="+mn-cs"/>
+              </a:rPr>
+              <a:t>The second graph (top right) is not distributed normally; while a relationship between the two variables is obvious, it is not linear, and the </a:t>
+            </a:r>
+            <a:r>
+              <a:rPr lang="en-US" sz="1200" b="0" i="0" u="none" strike="noStrike" kern="1200" dirty="0" smtClean="0">
+                <a:solidFill>
+                  <a:schemeClr val="tx1"/>
+                </a:solidFill>
+                <a:effectLst/>
+                <a:latin typeface="+mn-lt"/>
+                <a:ea typeface="+mn-ea"/>
+                <a:cs typeface="+mn-cs"/>
+                <a:hlinkClick r:id="rId6" tooltip="Pearson correlation coefficient"/>
+              </a:rPr>
+              <a:t>Pearson correlation coefficient</a:t>
+            </a:r>
+            <a:r>
+              <a:rPr lang="en-US" sz="1200" b="0" i="0" kern="1200" dirty="0" smtClean="0">
+                <a:solidFill>
+                  <a:schemeClr val="tx1"/>
+                </a:solidFill>
+                <a:effectLst/>
+                <a:latin typeface="+mn-lt"/>
+                <a:ea typeface="+mn-ea"/>
+                <a:cs typeface="+mn-cs"/>
+              </a:rPr>
+              <a:t> is not relevant. A more general regression and the corresponding </a:t>
+            </a:r>
+            <a:r>
+              <a:rPr lang="en-US" sz="1200" b="0" i="0" u="none" strike="noStrike" kern="1200" dirty="0" smtClean="0">
+                <a:solidFill>
+                  <a:schemeClr val="tx1"/>
+                </a:solidFill>
+                <a:effectLst/>
+                <a:latin typeface="+mn-lt"/>
+                <a:ea typeface="+mn-ea"/>
+                <a:cs typeface="+mn-cs"/>
+                <a:hlinkClick r:id="rId7" tooltip="Coefficient of determination"/>
+              </a:rPr>
+              <a:t>coefficient of determination</a:t>
+            </a:r>
+            <a:r>
+              <a:rPr lang="en-US" sz="1200" b="0" i="0" kern="1200" dirty="0" smtClean="0">
+                <a:solidFill>
+                  <a:schemeClr val="tx1"/>
+                </a:solidFill>
+                <a:effectLst/>
+                <a:latin typeface="+mn-lt"/>
+                <a:ea typeface="+mn-ea"/>
+                <a:cs typeface="+mn-cs"/>
+              </a:rPr>
+              <a:t> would be more appropriate.</a:t>
+            </a:r>
+          </a:p>
+          <a:p>
+            <a:pPr marL="171450" indent="-171450">
+              <a:buFont typeface="Wingdings" panose="05000000000000000000" pitchFamily="2" charset="2"/>
+              <a:buChar char="Ø"/>
+            </a:pPr>
+            <a:endParaRPr lang="en-US" sz="1200" b="0" i="0" kern="1200" dirty="0" smtClean="0">
+              <a:solidFill>
+                <a:schemeClr val="tx1"/>
+              </a:solidFill>
+              <a:effectLst/>
+              <a:latin typeface="+mn-lt"/>
+              <a:ea typeface="+mn-ea"/>
+              <a:cs typeface="+mn-cs"/>
+            </a:endParaRPr>
+          </a:p>
+          <a:p>
+            <a:pPr marL="171450" indent="-171450">
+              <a:buFont typeface="Wingdings" panose="05000000000000000000" pitchFamily="2" charset="2"/>
+              <a:buChar char="Ø"/>
+            </a:pPr>
+            <a:r>
+              <a:rPr lang="en-US" sz="1200" b="0" i="0" kern="1200" dirty="0" smtClean="0">
+                <a:solidFill>
+                  <a:schemeClr val="tx1"/>
+                </a:solidFill>
+                <a:effectLst/>
+                <a:latin typeface="+mn-lt"/>
+                <a:ea typeface="+mn-ea"/>
+                <a:cs typeface="+mn-cs"/>
+              </a:rPr>
+              <a:t>In the third graph (bottom left), the distribution is linear, but should have a different </a:t>
+            </a:r>
+            <a:r>
+              <a:rPr lang="en-US" sz="1200" b="0" i="0" u="none" strike="noStrike" kern="1200" dirty="0" smtClean="0">
+                <a:solidFill>
+                  <a:schemeClr val="tx1"/>
+                </a:solidFill>
+                <a:effectLst/>
+                <a:latin typeface="+mn-lt"/>
+                <a:ea typeface="+mn-ea"/>
+                <a:cs typeface="+mn-cs"/>
+                <a:hlinkClick r:id="rId8" tooltip="Regression line"/>
+              </a:rPr>
+              <a:t>regression line</a:t>
+            </a:r>
+            <a:r>
+              <a:rPr lang="en-US" sz="1200" b="0" i="0" kern="1200" dirty="0" smtClean="0">
+                <a:solidFill>
+                  <a:schemeClr val="tx1"/>
+                </a:solidFill>
+                <a:effectLst/>
+                <a:latin typeface="+mn-lt"/>
+                <a:ea typeface="+mn-ea"/>
+                <a:cs typeface="+mn-cs"/>
+              </a:rPr>
+              <a:t> (a </a:t>
+            </a:r>
+            <a:r>
+              <a:rPr lang="en-US" sz="1200" b="0" i="0" u="none" strike="noStrike" kern="1200" dirty="0" smtClean="0">
+                <a:solidFill>
+                  <a:schemeClr val="tx1"/>
+                </a:solidFill>
+                <a:effectLst/>
+                <a:latin typeface="+mn-lt"/>
+                <a:ea typeface="+mn-ea"/>
+                <a:cs typeface="+mn-cs"/>
+                <a:hlinkClick r:id="rId9" tooltip="Robust regression"/>
+              </a:rPr>
+              <a:t>robust regression</a:t>
+            </a:r>
+            <a:r>
+              <a:rPr lang="en-US" sz="1200" b="0" i="0" kern="1200" dirty="0" smtClean="0">
+                <a:solidFill>
+                  <a:schemeClr val="tx1"/>
+                </a:solidFill>
+                <a:effectLst/>
+                <a:latin typeface="+mn-lt"/>
+                <a:ea typeface="+mn-ea"/>
+                <a:cs typeface="+mn-cs"/>
+              </a:rPr>
+              <a:t> would have been called for). The calculated regression is offset by the one </a:t>
+            </a:r>
+            <a:r>
+              <a:rPr lang="en-US" sz="1200" b="0" i="0" u="none" strike="noStrike" kern="1200" dirty="0" smtClean="0">
+                <a:solidFill>
+                  <a:schemeClr val="tx1"/>
+                </a:solidFill>
+                <a:effectLst/>
+                <a:latin typeface="+mn-lt"/>
+                <a:ea typeface="+mn-ea"/>
+                <a:cs typeface="+mn-cs"/>
+                <a:hlinkClick r:id="rId10" tooltip="Outlier"/>
+              </a:rPr>
+              <a:t>outlier</a:t>
+            </a:r>
+            <a:r>
+              <a:rPr lang="en-US" sz="1200" b="0" i="0" kern="1200" dirty="0" smtClean="0">
+                <a:solidFill>
+                  <a:schemeClr val="tx1"/>
+                </a:solidFill>
+                <a:effectLst/>
+                <a:latin typeface="+mn-lt"/>
+                <a:ea typeface="+mn-ea"/>
+                <a:cs typeface="+mn-cs"/>
+              </a:rPr>
+              <a:t> which exerts enough influence to lower the correlation coefficient from 1 to 0.816.</a:t>
+            </a:r>
+          </a:p>
+          <a:p>
+            <a:pPr marL="0" indent="0">
+              <a:buFont typeface="Wingdings" panose="05000000000000000000" pitchFamily="2" charset="2"/>
+              <a:buNone/>
+            </a:pPr>
+            <a:endParaRPr lang="en-US" sz="1200" b="0" i="0" kern="1200" dirty="0" smtClean="0">
+              <a:solidFill>
+                <a:schemeClr val="tx1"/>
+              </a:solidFill>
+              <a:effectLst/>
+              <a:latin typeface="+mn-lt"/>
+              <a:ea typeface="+mn-ea"/>
+              <a:cs typeface="+mn-cs"/>
+            </a:endParaRPr>
+          </a:p>
+          <a:p>
+            <a:pPr marL="171450" indent="-171450">
+              <a:buFont typeface="Wingdings" panose="05000000000000000000" pitchFamily="2" charset="2"/>
+              <a:buChar char="Ø"/>
+            </a:pPr>
+            <a:r>
+              <a:rPr lang="en-US" sz="1200" b="0" i="0" kern="1200" dirty="0" smtClean="0">
+                <a:solidFill>
+                  <a:schemeClr val="tx1"/>
+                </a:solidFill>
+                <a:effectLst/>
+                <a:latin typeface="+mn-lt"/>
+                <a:ea typeface="+mn-ea"/>
+                <a:cs typeface="+mn-cs"/>
+              </a:rPr>
+              <a:t>Finally, the fourth graph (bottom right) shows an example when one </a:t>
+            </a:r>
+            <a:r>
+              <a:rPr lang="en-US" sz="1200" b="0" i="0" u="none" strike="noStrike" kern="1200" dirty="0" smtClean="0">
+                <a:solidFill>
+                  <a:schemeClr val="tx1"/>
+                </a:solidFill>
+                <a:effectLst/>
+                <a:latin typeface="+mn-lt"/>
+                <a:ea typeface="+mn-ea"/>
+                <a:cs typeface="+mn-cs"/>
+                <a:hlinkClick r:id="rId11" tooltip="High-leverage point"/>
+              </a:rPr>
+              <a:t>high-leverage point</a:t>
+            </a:r>
+            <a:r>
+              <a:rPr lang="en-US" sz="1200" b="0" i="0" kern="1200" dirty="0" smtClean="0">
+                <a:solidFill>
+                  <a:schemeClr val="tx1"/>
+                </a:solidFill>
+                <a:effectLst/>
+                <a:latin typeface="+mn-lt"/>
+                <a:ea typeface="+mn-ea"/>
+                <a:cs typeface="+mn-cs"/>
+              </a:rPr>
+              <a:t> is enough to produce a high correlation coefficient, even though the other data points do not indicate any relationship between the variables.</a:t>
+            </a:r>
+          </a:p>
+          <a:p>
+            <a:pPr marL="171450" indent="-171450">
+              <a:buFont typeface="Wingdings" panose="05000000000000000000" pitchFamily="2" charset="2"/>
+              <a:buChar char="Ø"/>
+            </a:pPr>
+            <a:endParaRPr lang="en-US" sz="1200" b="0" i="0" kern="1200" dirty="0" smtClean="0">
+              <a:solidFill>
+                <a:schemeClr val="tx1"/>
+              </a:solidFill>
+              <a:effectLst/>
+              <a:latin typeface="+mn-lt"/>
+              <a:ea typeface="+mn-ea"/>
+              <a:cs typeface="+mn-cs"/>
+            </a:endParaRPr>
           </a:p>
         </p:txBody>
       </p:sp>
@@ -1686,7 +2082,7 @@
           <a:p>
             <a:fld id="{AE1DE67C-C920-44E4-BE40-876EA236BA1A}" type="slidenum">
               <a:rPr lang="en-US" smtClean="0"/>
-              <a:t>22</a:t>
+              <a:t>18</a:t>
             </a:fld>
             <a:endParaRPr lang="en-US"/>
           </a:p>
@@ -1695,7 +2091,7 @@
     </p:spTree>
     <p:extLst>
       <p:ext uri="{BB962C8B-B14F-4D97-AF65-F5344CB8AC3E}">
-        <p14:creationId xmlns:p14="http://schemas.microsoft.com/office/powerpoint/2010/main" val="144463575"/>
+        <p14:creationId xmlns:p14="http://schemas.microsoft.com/office/powerpoint/2010/main" val="4215125474"/>
       </p:ext>
     </p:extLst>
   </p:cSld>
@@ -1749,19 +2145,15 @@
           <a:bodyPr/>
           <a:lstStyle/>
           <a:p>
-            <a:pPr marL="0" indent="0">
-              <a:buFont typeface="Wingdings" panose="05000000000000000000" pitchFamily="2" charset="2"/>
-              <a:buNone/>
-            </a:pPr>
-            <a:endParaRPr lang="en-US" sz="1200" b="0" i="0" kern="1200" dirty="0" smtClean="0">
-              <a:solidFill>
-                <a:schemeClr val="tx1"/>
-              </a:solidFill>
-              <a:effectLst/>
-              <a:latin typeface="+mn-lt"/>
-              <a:ea typeface="+mn-ea"/>
-              <a:cs typeface="+mn-cs"/>
-            </a:endParaRPr>
+            <a:r>
+              <a:rPr lang="en-US" dirty="0" smtClean="0"/>
+              <a:t>Here we have the</a:t>
+            </a:r>
+            <a:r>
+              <a:rPr lang="en-US" baseline="0" dirty="0" smtClean="0"/>
+              <a:t> mandatory quote</a:t>
+            </a:r>
+            <a:endParaRPr lang="en-US" dirty="0"/>
           </a:p>
         </p:txBody>
       </p:sp>
@@ -1782,7 +2174,7 @@
           <a:p>
             <a:fld id="{AE1DE67C-C920-44E4-BE40-876EA236BA1A}" type="slidenum">
               <a:rPr lang="en-US" smtClean="0"/>
-              <a:t>23</a:t>
+              <a:t>19</a:t>
             </a:fld>
             <a:endParaRPr lang="en-US"/>
           </a:p>
@@ -1791,7 +2183,7 @@
     </p:spTree>
     <p:extLst>
       <p:ext uri="{BB962C8B-B14F-4D97-AF65-F5344CB8AC3E}">
-        <p14:creationId xmlns:p14="http://schemas.microsoft.com/office/powerpoint/2010/main" val="4100464390"/>
+        <p14:creationId xmlns:p14="http://schemas.microsoft.com/office/powerpoint/2010/main" val="3474633487"/>
       </p:ext>
     </p:extLst>
   </p:cSld>
@@ -1847,11 +2239,64 @@
           <a:p>
             <a:r>
               <a:rPr lang="en-US" dirty="0" smtClean="0"/>
-              <a:t>It’s a broad topic,</a:t>
+              <a:t>Yes,</a:t>
             </a:r>
             <a:r>
               <a:rPr lang="en-US" baseline="0" dirty="0" smtClean="0"/>
-              <a:t> so we will just briefly mention the sources</a:t>
+              <a:t> it’s another mandatory pie chart example</a:t>
+            </a:r>
+          </a:p>
+          <a:p>
+            <a:endParaRPr lang="en-US" baseline="0" dirty="0" smtClean="0"/>
+          </a:p>
+          <a:p>
+            <a:r>
+              <a:rPr lang="en-US" sz="1200" b="0" i="0" kern="1200" dirty="0" smtClean="0">
+                <a:solidFill>
+                  <a:schemeClr val="tx1"/>
+                </a:solidFill>
+                <a:effectLst/>
+                <a:latin typeface="+mn-lt"/>
+                <a:ea typeface="+mn-ea"/>
+                <a:cs typeface="+mn-cs"/>
+              </a:rPr>
+              <a:t>What is the point of using a 3-D pie chart with five sections and two </a:t>
+            </a:r>
+            <a:r>
+              <a:rPr lang="en-US" sz="1200" b="0" i="0" kern="1200" dirty="0" err="1" smtClean="0">
+                <a:solidFill>
+                  <a:schemeClr val="tx1"/>
+                </a:solidFill>
+                <a:effectLst/>
+                <a:latin typeface="+mn-lt"/>
+                <a:ea typeface="+mn-ea"/>
+                <a:cs typeface="+mn-cs"/>
+              </a:rPr>
+              <a:t>datapoints</a:t>
+            </a:r>
+            <a:r>
+              <a:rPr lang="en-US" sz="1200" b="0" i="0" kern="1200" dirty="0" smtClean="0">
+                <a:solidFill>
+                  <a:schemeClr val="tx1"/>
+                </a:solidFill>
+                <a:effectLst/>
+                <a:latin typeface="+mn-lt"/>
+                <a:ea typeface="+mn-ea"/>
+                <a:cs typeface="+mn-cs"/>
+              </a:rPr>
+              <a:t>, </a:t>
+            </a:r>
+            <a:r>
+              <a:rPr lang="en-US" sz="1200" b="0" i="0" kern="1200" dirty="0" smtClean="0">
+                <a:solidFill>
+                  <a:schemeClr val="tx1"/>
+                </a:solidFill>
+                <a:effectLst/>
+                <a:latin typeface="+mn-lt"/>
+                <a:ea typeface="+mn-ea"/>
+                <a:cs typeface="+mn-cs"/>
+              </a:rPr>
+              <a:t>except for its resemblance of a wheel of cheese?</a:t>
             </a:r>
             <a:endParaRPr lang="en-US" dirty="0"/>
           </a:p>
@@ -1874,7 +2319,7 @@
           <a:p>
             <a:fld id="{AE1DE67C-C920-44E4-BE40-876EA236BA1A}" type="slidenum">
               <a:rPr lang="en-US" smtClean="0"/>
-              <a:t>24</a:t>
+              <a:t>20</a:t>
             </a:fld>
             <a:endParaRPr lang="en-US"/>
           </a:p>
@@ -1883,7 +2328,7 @@
     </p:spTree>
     <p:extLst>
       <p:ext uri="{BB962C8B-B14F-4D97-AF65-F5344CB8AC3E}">
-        <p14:creationId xmlns:p14="http://schemas.microsoft.com/office/powerpoint/2010/main" val="1661700282"/>
+        <p14:creationId xmlns:p14="http://schemas.microsoft.com/office/powerpoint/2010/main" val="3996696954"/>
       </p:ext>
     </p:extLst>
   </p:cSld>
@@ -1937,14 +2382,76 @@
           <a:bodyPr/>
           <a:lstStyle/>
           <a:p>
+            <a:pPr marL="171450" indent="-171450">
+              <a:buFont typeface="Wingdings" panose="05000000000000000000" pitchFamily="2" charset="2"/>
+              <a:buChar char="Ø"/>
+            </a:pPr>
             <a:r>
               <a:rPr lang="en-US" dirty="0" smtClean="0"/>
-              <a:t>Triad color harmony</a:t>
+              <a:t>A simple </a:t>
+            </a:r>
+            <a:r>
+              <a:rPr lang="en-US" dirty="0" err="1" smtClean="0"/>
+              <a:t>barchart</a:t>
+            </a:r>
+            <a:r>
+              <a:rPr lang="en-US" dirty="0" smtClean="0"/>
+              <a:t> can do the trick: and also depict dynamics. </a:t>
+            </a:r>
+          </a:p>
+          <a:p>
+            <a:pPr marL="171450" indent="-171450">
+              <a:buFont typeface="Wingdings" panose="05000000000000000000" pitchFamily="2" charset="2"/>
+              <a:buChar char="Ø"/>
+            </a:pPr>
+            <a:endParaRPr lang="en-US" dirty="0" smtClean="0"/>
+          </a:p>
+          <a:p>
+            <a:pPr marL="171450" indent="-171450">
+              <a:buFont typeface="Wingdings" panose="05000000000000000000" pitchFamily="2" charset="2"/>
+              <a:buChar char="Ø"/>
+            </a:pPr>
+            <a:r>
+              <a:rPr lang="en-US" dirty="0" smtClean="0"/>
+              <a:t>We perceive height much better than </a:t>
+            </a:r>
+            <a:r>
+              <a:rPr lang="en-US" dirty="0" smtClean="0"/>
+              <a:t>volume</a:t>
             </a:r>
             <a:r>
               <a:rPr lang="en-US" baseline="0" dirty="0" smtClean="0"/>
-              <a:t> rule: 120 degrees on a color wheel + plus different levels of saturation for different shades of the same color</a:t>
-            </a:r>
+              <a:t> or area on pie charts</a:t>
+            </a:r>
+            <a:r>
+              <a:rPr lang="en-US" dirty="0" smtClean="0"/>
+              <a:t>.</a:t>
+            </a:r>
+            <a:endParaRPr lang="en-US" dirty="0" smtClean="0"/>
+          </a:p>
+          <a:p>
+            <a:pPr marL="171450" indent="-171450">
+              <a:buFont typeface="Wingdings" panose="05000000000000000000" pitchFamily="2" charset="2"/>
+              <a:buChar char="Ø"/>
+            </a:pPr>
+            <a:endParaRPr lang="en-US" dirty="0" smtClean="0"/>
+          </a:p>
+          <a:p>
+            <a:pPr marL="171450" indent="-171450">
+              <a:buFont typeface="Wingdings" panose="05000000000000000000" pitchFamily="2" charset="2"/>
+              <a:buChar char="Ø"/>
+            </a:pPr>
+            <a:r>
+              <a:rPr lang="en-US" dirty="0" smtClean="0"/>
+              <a:t>Can we do</a:t>
+            </a:r>
+            <a:r>
+              <a:rPr lang="en-US" baseline="0" dirty="0" smtClean="0"/>
+              <a:t> better though?</a:t>
+            </a:r>
+            <a:endParaRPr lang="en-US" dirty="0" smtClean="0"/>
+          </a:p>
+          <a:p>
             <a:endParaRPr lang="en-US" dirty="0"/>
           </a:p>
         </p:txBody>
@@ -1966,7 +2473,7 @@
           <a:p>
             <a:fld id="{AE1DE67C-C920-44E4-BE40-876EA236BA1A}" type="slidenum">
               <a:rPr lang="en-US" smtClean="0"/>
-              <a:t>25</a:t>
+              <a:t>21</a:t>
             </a:fld>
             <a:endParaRPr lang="en-US"/>
           </a:p>
@@ -1975,7 +2482,7 @@
     </p:spTree>
     <p:extLst>
       <p:ext uri="{BB962C8B-B14F-4D97-AF65-F5344CB8AC3E}">
-        <p14:creationId xmlns:p14="http://schemas.microsoft.com/office/powerpoint/2010/main" val="244135193"/>
+        <p14:creationId xmlns:p14="http://schemas.microsoft.com/office/powerpoint/2010/main" val="2559871125"/>
       </p:ext>
     </p:extLst>
   </p:cSld>
@@ -2029,14 +2536,40 @@
           <a:bodyPr/>
           <a:lstStyle/>
           <a:p>
+            <a:pPr marL="171450" indent="-171450">
+              <a:buFont typeface="Wingdings" panose="05000000000000000000" pitchFamily="2" charset="2"/>
+              <a:buChar char="Ø"/>
+            </a:pPr>
             <a:r>
               <a:rPr lang="en-US" dirty="0" smtClean="0"/>
-              <a:t>Triad color harmony</a:t>
+              <a:t>Or an even better version which</a:t>
             </a:r>
             <a:r>
               <a:rPr lang="en-US" baseline="0" dirty="0" smtClean="0"/>
-              <a:t> rule: 120 degrees on a color wheel + plus different levels of saturation for different shades of the same color</a:t>
-            </a:r>
+              <a:t> contains all the information needed. Add some cheese liberally if needed.</a:t>
+            </a:r>
+          </a:p>
+          <a:p>
+            <a:pPr marL="171450" indent="-171450">
+              <a:buFont typeface="Wingdings" panose="05000000000000000000" pitchFamily="2" charset="2"/>
+              <a:buChar char="Ø"/>
+            </a:pPr>
+            <a:endParaRPr lang="en-US" baseline="0" dirty="0" smtClean="0"/>
+          </a:p>
+          <a:p>
+            <a:pPr marL="171450" indent="-171450">
+              <a:buFont typeface="Wingdings" panose="05000000000000000000" pitchFamily="2" charset="2"/>
+              <a:buChar char="Ø"/>
+            </a:pPr>
+            <a:r>
+              <a:rPr lang="en-US" baseline="0" dirty="0" smtClean="0"/>
+              <a:t>Note that all the important info is at the top left!</a:t>
+            </a:r>
+          </a:p>
+          <a:p>
+            <a:endParaRPr lang="en-US" baseline="0" dirty="0" smtClean="0"/>
+          </a:p>
+          <a:p>
             <a:endParaRPr lang="en-US" dirty="0"/>
           </a:p>
         </p:txBody>
@@ -2058,7 +2591,7 @@
           <a:p>
             <a:fld id="{AE1DE67C-C920-44E4-BE40-876EA236BA1A}" type="slidenum">
               <a:rPr lang="en-US" smtClean="0"/>
-              <a:t>26</a:t>
+              <a:t>22</a:t>
             </a:fld>
             <a:endParaRPr lang="en-US"/>
           </a:p>
@@ -2067,7 +2600,7 @@
     </p:spTree>
     <p:extLst>
       <p:ext uri="{BB962C8B-B14F-4D97-AF65-F5344CB8AC3E}">
-        <p14:creationId xmlns:p14="http://schemas.microsoft.com/office/powerpoint/2010/main" val="1185433109"/>
+        <p14:creationId xmlns:p14="http://schemas.microsoft.com/office/powerpoint/2010/main" val="144463575"/>
       </p:ext>
     </p:extLst>
   </p:cSld>
@@ -2121,374 +2654,32 @@
           <a:bodyPr/>
           <a:lstStyle/>
           <a:p>
-            <a:pPr marL="171450" indent="-171450">
-              <a:buFont typeface="Wingdings" panose="05000000000000000000" pitchFamily="2" charset="2"/>
-              <a:buChar char="Ø"/>
-            </a:pPr>
-            <a:r>
-              <a:rPr lang="en-US" sz="1200" dirty="0" smtClean="0"/>
-              <a:t>As the brain of an audience member starts to make sense out of the slide, it (the brain) has to process the following:</a:t>
-            </a:r>
-          </a:p>
-          <a:p>
-            <a:pPr marL="171450" indent="-171450">
-              <a:buFont typeface="Wingdings" panose="05000000000000000000" pitchFamily="2" charset="2"/>
-              <a:buChar char="Ø"/>
-            </a:pPr>
-            <a:endParaRPr lang="en-US" sz="1200" dirty="0" smtClean="0"/>
-          </a:p>
-          <a:p>
-            <a:pPr marL="171450" indent="-171450">
-              <a:buFont typeface="Wingdings" panose="05000000000000000000" pitchFamily="2" charset="2"/>
-              <a:buChar char="Ø"/>
-            </a:pPr>
-            <a:r>
-              <a:rPr lang="en-US" sz="1200" dirty="0" smtClean="0"/>
-              <a:t>the concept of a chart;</a:t>
-            </a:r>
-          </a:p>
-          <a:p>
-            <a:pPr marL="171450" indent="-171450">
-              <a:buFont typeface="Wingdings" panose="05000000000000000000" pitchFamily="2" charset="2"/>
-              <a:buChar char="Ø"/>
-            </a:pPr>
-            <a:endParaRPr lang="en-US" sz="1200" dirty="0" smtClean="0"/>
-          </a:p>
-          <a:p>
-            <a:pPr marL="171450" indent="-171450">
-              <a:buFont typeface="Wingdings" panose="05000000000000000000" pitchFamily="2" charset="2"/>
-              <a:buChar char="Ø"/>
-            </a:pPr>
-            <a:r>
-              <a:rPr lang="en-US" sz="1200" dirty="0" smtClean="0"/>
-              <a:t>the concept of an index;</a:t>
-            </a:r>
-          </a:p>
-          <a:p>
-            <a:pPr marL="171450" indent="-171450">
-              <a:buFont typeface="Wingdings" panose="05000000000000000000" pitchFamily="2" charset="2"/>
-              <a:buChar char="Ø"/>
-            </a:pPr>
-            <a:endParaRPr lang="en-US" sz="1200" dirty="0" smtClean="0"/>
-          </a:p>
-          <a:p>
-            <a:pPr marL="171450" indent="-171450">
-              <a:buFont typeface="Wingdings" panose="05000000000000000000" pitchFamily="2" charset="2"/>
-              <a:buChar char="Ø"/>
-            </a:pPr>
-            <a:r>
-              <a:rPr lang="en-US" sz="1200" dirty="0" smtClean="0"/>
-              <a:t>spatial representation of time flow;</a:t>
-            </a:r>
-          </a:p>
-          <a:p>
-            <a:pPr marL="171450" indent="-171450">
-              <a:buFont typeface="Wingdings" panose="05000000000000000000" pitchFamily="2" charset="2"/>
-              <a:buChar char="Ø"/>
-            </a:pPr>
-            <a:endParaRPr lang="en-US" sz="1200" dirty="0" smtClean="0"/>
-          </a:p>
-          <a:p>
-            <a:pPr marL="171450" indent="-171450">
-              <a:buFont typeface="Wingdings" panose="05000000000000000000" pitchFamily="2" charset="2"/>
-              <a:buChar char="Ø"/>
-            </a:pPr>
-            <a:r>
-              <a:rPr lang="en-US" sz="1200" dirty="0" err="1" smtClean="0"/>
-              <a:t>colormap</a:t>
-            </a:r>
-            <a:r>
-              <a:rPr lang="en-US" sz="1200" dirty="0" smtClean="0"/>
-              <a:t>;</a:t>
-            </a:r>
-          </a:p>
-          <a:p>
-            <a:pPr marL="171450" indent="-171450">
-              <a:buFont typeface="Wingdings" panose="05000000000000000000" pitchFamily="2" charset="2"/>
-              <a:buChar char="Ø"/>
-            </a:pPr>
-            <a:endParaRPr lang="en-US" sz="1200" dirty="0" smtClean="0"/>
-          </a:p>
-          <a:p>
-            <a:pPr marL="171450" indent="-171450">
-              <a:buFont typeface="Wingdings" panose="05000000000000000000" pitchFamily="2" charset="2"/>
-              <a:buChar char="Ø"/>
-            </a:pPr>
-            <a:r>
-              <a:rPr lang="en-US" sz="1200" b="1" dirty="0" smtClean="0"/>
-              <a:t>representation of dates;</a:t>
-            </a:r>
-          </a:p>
-          <a:p>
-            <a:pPr marL="171450" indent="-171450">
-              <a:buFont typeface="Wingdings" panose="05000000000000000000" pitchFamily="2" charset="2"/>
-              <a:buChar char="Ø"/>
-            </a:pPr>
-            <a:endParaRPr lang="en-US" sz="1200" b="1" dirty="0" smtClean="0"/>
-          </a:p>
-          <a:p>
-            <a:r>
-              <a:rPr lang="en-US" sz="1200" dirty="0" smtClean="0"/>
-              <a:t>...[a million other things]</a:t>
-            </a:r>
-          </a:p>
-          <a:p>
-            <a:r>
-              <a:rPr lang="en-US" sz="1200" dirty="0" smtClean="0"/>
-              <a:t>...</a:t>
-            </a:r>
-          </a:p>
-          <a:p>
-            <a:pPr marL="171450" indent="-171450">
-              <a:buFont typeface="Wingdings" panose="05000000000000000000" pitchFamily="2" charset="2"/>
-              <a:buChar char="Ø"/>
-            </a:pPr>
-            <a:r>
-              <a:rPr lang="en-US" sz="1200" dirty="0" smtClean="0"/>
-              <a:t>the fact that Tesla has outperformed S&amp;P500.</a:t>
-            </a:r>
-          </a:p>
-          <a:p>
-            <a:pPr marL="171450" indent="-171450">
-              <a:buFont typeface="Wingdings" panose="05000000000000000000" pitchFamily="2" charset="2"/>
-              <a:buChar char="Ø"/>
-            </a:pPr>
-            <a:endParaRPr lang="en-US" sz="1200" dirty="0" smtClean="0"/>
-          </a:p>
-          <a:p>
-            <a:pPr marL="342900" indent="-342900">
-              <a:lnSpc>
-                <a:spcPct val="100000"/>
-              </a:lnSpc>
-              <a:spcBef>
-                <a:spcPts val="1200"/>
-              </a:spcBef>
-              <a:spcAft>
-                <a:spcPts val="1200"/>
-              </a:spcAft>
-              <a:buFont typeface="Wingdings" panose="05000000000000000000" pitchFamily="2" charset="2"/>
-              <a:buChar char="Ø"/>
-            </a:pPr>
-            <a:r>
-              <a:rPr lang="en-US" sz="2400" dirty="0" smtClean="0"/>
-              <a:t>The majority of us is accustomed to the time flowing from left to right</a:t>
-            </a:r>
-          </a:p>
-          <a:p>
-            <a:pPr marL="342900" indent="-342900">
-              <a:lnSpc>
-                <a:spcPct val="100000"/>
-              </a:lnSpc>
-              <a:spcBef>
-                <a:spcPts val="1200"/>
-              </a:spcBef>
-              <a:spcAft>
-                <a:spcPts val="1200"/>
-              </a:spcAft>
-              <a:buFont typeface="Wingdings" panose="05000000000000000000" pitchFamily="2" charset="2"/>
-              <a:buChar char="Ø"/>
-            </a:pPr>
-            <a:endParaRPr lang="en-US" sz="2400" dirty="0" smtClean="0"/>
-          </a:p>
-          <a:p>
-            <a:pPr marL="342900" indent="-342900">
-              <a:lnSpc>
-                <a:spcPct val="100000"/>
-              </a:lnSpc>
-              <a:spcBef>
-                <a:spcPts val="1200"/>
-              </a:spcBef>
-              <a:spcAft>
-                <a:spcPts val="1200"/>
-              </a:spcAft>
-              <a:buFont typeface="Wingdings" panose="05000000000000000000" pitchFamily="2" charset="2"/>
-              <a:buChar char="Ø"/>
-            </a:pPr>
-            <a:r>
-              <a:rPr lang="en-US" sz="2400" dirty="0" smtClean="0"/>
-              <a:t>But this is not a unique time convention – the </a:t>
-            </a:r>
-            <a:r>
-              <a:rPr lang="en-US" sz="2400" dirty="0" err="1" smtClean="0"/>
-              <a:t>Ayamara</a:t>
-            </a:r>
-            <a:r>
-              <a:rPr lang="en-US" sz="2400" dirty="0" smtClean="0"/>
-              <a:t> people refer to the past as being in </a:t>
-            </a:r>
-            <a:r>
-              <a:rPr lang="en-US" sz="2400" i="1" dirty="0" smtClean="0"/>
-              <a:t>front</a:t>
-            </a:r>
-            <a:r>
-              <a:rPr lang="en-US" sz="2400" dirty="0" smtClean="0"/>
-              <a:t> of them and the future as being </a:t>
-            </a:r>
-            <a:r>
-              <a:rPr lang="en-US" sz="2400" i="1" dirty="0" smtClean="0"/>
-              <a:t>behind</a:t>
-            </a:r>
-            <a:r>
-              <a:rPr lang="en-US" sz="2400" dirty="0" smtClean="0"/>
-              <a:t> them</a:t>
-            </a:r>
-          </a:p>
-          <a:p>
-            <a:pPr marL="342900" indent="-342900">
-              <a:lnSpc>
-                <a:spcPct val="100000"/>
-              </a:lnSpc>
-              <a:spcBef>
-                <a:spcPts val="1200"/>
-              </a:spcBef>
-              <a:spcAft>
-                <a:spcPts val="1200"/>
-              </a:spcAft>
-              <a:buFont typeface="Wingdings" panose="05000000000000000000" pitchFamily="2" charset="2"/>
-              <a:buChar char="Ø"/>
-            </a:pPr>
-            <a:endParaRPr lang="en-US" sz="2400" dirty="0" smtClean="0"/>
-          </a:p>
-          <a:p>
-            <a:pPr marL="342900" indent="-342900">
-              <a:lnSpc>
-                <a:spcPct val="100000"/>
-              </a:lnSpc>
-              <a:spcBef>
-                <a:spcPts val="1200"/>
-              </a:spcBef>
-              <a:spcAft>
-                <a:spcPts val="1200"/>
-              </a:spcAft>
-              <a:buFont typeface="Wingdings" panose="05000000000000000000" pitchFamily="2" charset="2"/>
-              <a:buChar char="Ø"/>
-            </a:pPr>
-            <a:r>
-              <a:rPr lang="en-US" sz="2400" dirty="0" smtClean="0"/>
-              <a:t>Although rather artificial, the reverse time example highlights several things to keep in mind when visualizing research findings:</a:t>
-            </a:r>
-          </a:p>
-          <a:p>
-            <a:pPr>
-              <a:lnSpc>
-                <a:spcPct val="100000"/>
-              </a:lnSpc>
-              <a:spcBef>
-                <a:spcPts val="1200"/>
-              </a:spcBef>
-              <a:spcAft>
-                <a:spcPts val="1200"/>
-              </a:spcAft>
-            </a:pPr>
-            <a:endParaRPr lang="en-US" sz="2400" dirty="0" smtClean="0"/>
-          </a:p>
-          <a:p>
-            <a:pPr lvl="1">
-              <a:lnSpc>
-                <a:spcPct val="100000"/>
-              </a:lnSpc>
-              <a:spcBef>
-                <a:spcPts val="1200"/>
-              </a:spcBef>
-              <a:spcAft>
-                <a:spcPts val="1200"/>
-              </a:spcAft>
-            </a:pPr>
             <a:r>
               <a:rPr lang="en-US" dirty="0" smtClean="0"/>
-              <a:t>1. there is what can heuristically be called </a:t>
-            </a:r>
-            <a:r>
-              <a:rPr lang="en-US" b="1" dirty="0" smtClean="0"/>
-              <a:t>primary</a:t>
-            </a:r>
-            <a:r>
-              <a:rPr lang="en-US" dirty="0" smtClean="0"/>
-              <a:t> and </a:t>
-            </a:r>
-            <a:r>
-              <a:rPr lang="en-US" b="1" dirty="0" smtClean="0"/>
-              <a:t>secondary</a:t>
-            </a:r>
-            <a:r>
-              <a:rPr lang="en-US" dirty="0" smtClean="0"/>
-              <a:t> information on every slide</a:t>
-            </a:r>
-          </a:p>
-          <a:p>
-            <a:pPr lvl="1">
-              <a:lnSpc>
-                <a:spcPct val="100000"/>
-              </a:lnSpc>
-              <a:spcBef>
-                <a:spcPts val="1200"/>
-              </a:spcBef>
-              <a:spcAft>
-                <a:spcPts val="1200"/>
-              </a:spcAft>
-            </a:pPr>
-            <a:r>
-              <a:rPr lang="en-US" dirty="0" smtClean="0"/>
-              <a:t>2. the brain needs to process both while its resources are limited</a:t>
-            </a:r>
-          </a:p>
-          <a:p>
-            <a:pPr>
-              <a:lnSpc>
-                <a:spcPct val="100000"/>
-              </a:lnSpc>
-              <a:spcBef>
-                <a:spcPts val="1200"/>
-              </a:spcBef>
-              <a:spcAft>
-                <a:spcPts val="1200"/>
-              </a:spcAft>
-            </a:pPr>
-            <a:endParaRPr lang="en-US" sz="2400" dirty="0" smtClean="0"/>
-          </a:p>
-          <a:p>
-            <a:pPr marL="342900" indent="-342900">
-              <a:lnSpc>
-                <a:spcPct val="100000"/>
-              </a:lnSpc>
-              <a:spcBef>
-                <a:spcPts val="1200"/>
-              </a:spcBef>
-              <a:spcAft>
-                <a:spcPts val="1200"/>
-              </a:spcAft>
-              <a:buFont typeface="Wingdings" panose="05000000000000000000" pitchFamily="2" charset="2"/>
-              <a:buChar char="Ø"/>
-            </a:pPr>
-            <a:r>
-              <a:rPr lang="en-US" sz="2400" dirty="0" smtClean="0"/>
-              <a:t>It is the presenter's task to be informed of the wiring of the audience's brains to foster concentration on the primary information. Which would maybe imply drawing charts differently for Aymara speakers.</a:t>
-            </a:r>
-          </a:p>
-          <a:p>
-            <a:pPr marL="342900" indent="-342900">
-              <a:lnSpc>
-                <a:spcPct val="100000"/>
-              </a:lnSpc>
-              <a:spcBef>
-                <a:spcPts val="1200"/>
-              </a:spcBef>
-              <a:spcAft>
-                <a:spcPts val="1200"/>
-              </a:spcAft>
-              <a:buFont typeface="Wingdings" panose="05000000000000000000" pitchFamily="2" charset="2"/>
-              <a:buChar char="Ø"/>
-            </a:pPr>
-            <a:endParaRPr lang="en-US" sz="2400" dirty="0" smtClean="0"/>
-          </a:p>
-          <a:p>
-            <a:pPr marL="171450" indent="-171450">
-              <a:buFont typeface="Wingdings" panose="05000000000000000000" pitchFamily="2" charset="2"/>
-              <a:buChar char="Ø"/>
-            </a:pPr>
-            <a:endParaRPr lang="en-US" sz="1200" dirty="0" smtClean="0"/>
-          </a:p>
-          <a:p>
+              <a:t>But</a:t>
+            </a:r>
+            <a:r>
+              <a:rPr lang="en-US" baseline="0" dirty="0" smtClean="0"/>
+              <a:t> our eyes do not jump all over an image randomly: they proceed from one part of the image that stands out to another.</a:t>
+            </a:r>
+          </a:p>
+          <a:p>
+            <a:endParaRPr lang="en-US" baseline="0" dirty="0" smtClean="0"/>
+          </a:p>
+          <a:p>
+            <a:r>
+              <a:rPr lang="en-US" baseline="0" dirty="0" smtClean="0"/>
+              <a:t>Then pre-attentive processing kicks in filtering noise or irrelevant stimuli, helping to maintain focus</a:t>
+            </a:r>
+          </a:p>
+          <a:p>
+            <a:endParaRPr lang="en-US" baseline="0" dirty="0" smtClean="0"/>
+          </a:p>
+          <a:p>
+            <a:r>
+              <a:rPr lang="en-US" baseline="0" dirty="0" smtClean="0"/>
+              <a:t>We are hard-wired to look at what differs from the ‘average’</a:t>
+            </a:r>
             <a:endParaRPr lang="en-US" dirty="0"/>
           </a:p>
         </p:txBody>
@@ -2510,7 +2701,7 @@
           <a:p>
             <a:fld id="{AE1DE67C-C920-44E4-BE40-876EA236BA1A}" type="slidenum">
               <a:rPr lang="en-US" smtClean="0"/>
-              <a:t>7</a:t>
+              <a:t>4</a:t>
             </a:fld>
             <a:endParaRPr lang="en-US"/>
           </a:p>
@@ -2519,7 +2710,7 @@
     </p:spTree>
     <p:extLst>
       <p:ext uri="{BB962C8B-B14F-4D97-AF65-F5344CB8AC3E}">
-        <p14:creationId xmlns:p14="http://schemas.microsoft.com/office/powerpoint/2010/main" val="2228111920"/>
+        <p14:creationId xmlns:p14="http://schemas.microsoft.com/office/powerpoint/2010/main" val="3726574511"/>
       </p:ext>
     </p:extLst>
   </p:cSld>
@@ -2530,6 +2721,394 @@
 </file>
 
 <file path=ppt/notesSlides/notesSlide20.xml><?xml version="1.0" encoding="utf-8"?>
+<p:notes xmlns:a="http://schemas.openxmlformats.org/drawingml/2006/main" xmlns:r="http://schemas.openxmlformats.org/officeDocument/2006/relationships" xmlns:p="http://schemas.openxmlformats.org/presentationml/2006/main">
+  <p:cSld>
+    <p:spTree>
+      <p:nvGrpSpPr>
+        <p:cNvPr id="1" name=""/>
+        <p:cNvGrpSpPr/>
+        <p:nvPr/>
+      </p:nvGrpSpPr>
+      <p:grpSpPr>
+        <a:xfrm>
+          <a:off x="0" y="0"/>
+          <a:ext cx="0" cy="0"/>
+          <a:chOff x="0" y="0"/>
+          <a:chExt cx="0" cy="0"/>
+        </a:xfrm>
+      </p:grpSpPr>
+      <p:sp>
+        <p:nvSpPr>
+          <p:cNvPr id="2" name="Slide Image Placeholder 1"/>
+          <p:cNvSpPr>
+            <a:spLocks noGrp="1" noRot="1" noChangeAspect="1"/>
+          </p:cNvSpPr>
+          <p:nvPr>
+            <p:ph type="sldImg"/>
+          </p:nvPr>
+        </p:nvSpPr>
+        <p:spPr/>
+      </p:sp>
+      <p:sp>
+        <p:nvSpPr>
+          <p:cNvPr id="3" name="Notes Placeholder 2"/>
+          <p:cNvSpPr>
+            <a:spLocks noGrp="1"/>
+          </p:cNvSpPr>
+          <p:nvPr>
+            <p:ph type="body" idx="1"/>
+          </p:nvPr>
+        </p:nvSpPr>
+        <p:spPr/>
+        <p:txBody>
+          <a:bodyPr/>
+          <a:lstStyle/>
+          <a:p>
+            <a:pPr marL="0" indent="0">
+              <a:buFont typeface="Wingdings" panose="05000000000000000000" pitchFamily="2" charset="2"/>
+              <a:buNone/>
+            </a:pPr>
+            <a:r>
+              <a:rPr lang="en-US" sz="1200" b="0" i="0" kern="1200" dirty="0" smtClean="0">
+                <a:solidFill>
+                  <a:schemeClr val="tx1"/>
+                </a:solidFill>
+                <a:effectLst/>
+                <a:latin typeface="+mn-lt"/>
+                <a:ea typeface="+mn-ea"/>
+                <a:cs typeface="+mn-cs"/>
+              </a:rPr>
+              <a:t>Might</a:t>
+            </a:r>
+            <a:r>
+              <a:rPr lang="en-US" sz="1200" b="0" i="0" kern="1200" baseline="0" dirty="0" smtClean="0">
+                <a:solidFill>
+                  <a:schemeClr val="tx1"/>
+                </a:solidFill>
+                <a:effectLst/>
+                <a:latin typeface="+mn-lt"/>
+                <a:ea typeface="+mn-ea"/>
+                <a:cs typeface="+mn-cs"/>
+              </a:rPr>
+              <a:t> be a textbook example of spurious correlation, if there is a common time component but you never know for sure…</a:t>
+            </a:r>
+            <a:endParaRPr lang="en-US" sz="1200" b="0" i="0" kern="1200" dirty="0" smtClean="0">
+              <a:solidFill>
+                <a:schemeClr val="tx1"/>
+              </a:solidFill>
+              <a:effectLst/>
+              <a:latin typeface="+mn-lt"/>
+              <a:ea typeface="+mn-ea"/>
+              <a:cs typeface="+mn-cs"/>
+            </a:endParaRPr>
+          </a:p>
+        </p:txBody>
+      </p:sp>
+      <p:sp>
+        <p:nvSpPr>
+          <p:cNvPr id="4" name="Slide Number Placeholder 3"/>
+          <p:cNvSpPr>
+            <a:spLocks noGrp="1"/>
+          </p:cNvSpPr>
+          <p:nvPr>
+            <p:ph type="sldNum" sz="quarter" idx="10"/>
+          </p:nvPr>
+        </p:nvSpPr>
+        <p:spPr/>
+        <p:txBody>
+          <a:bodyPr/>
+          <a:lstStyle/>
+          <a:p>
+            <a:fld id="{AE1DE67C-C920-44E4-BE40-876EA236BA1A}" type="slidenum">
+              <a:rPr lang="en-US" smtClean="0"/>
+              <a:t>23</a:t>
+            </a:fld>
+            <a:endParaRPr lang="en-US"/>
+          </a:p>
+        </p:txBody>
+      </p:sp>
+    </p:spTree>
+    <p:extLst>
+      <p:ext uri="{BB962C8B-B14F-4D97-AF65-F5344CB8AC3E}">
+        <p14:creationId xmlns:p14="http://schemas.microsoft.com/office/powerpoint/2010/main" val="4100464390"/>
+      </p:ext>
+    </p:extLst>
+  </p:cSld>
+  <p:clrMapOvr>
+    <a:masterClrMapping/>
+  </p:clrMapOvr>
+</p:notes>
+</file>
+
+<file path=ppt/notesSlides/notesSlide21.xml><?xml version="1.0" encoding="utf-8"?>
+<p:notes xmlns:a="http://schemas.openxmlformats.org/drawingml/2006/main" xmlns:r="http://schemas.openxmlformats.org/officeDocument/2006/relationships" xmlns:p="http://schemas.openxmlformats.org/presentationml/2006/main">
+  <p:cSld>
+    <p:spTree>
+      <p:nvGrpSpPr>
+        <p:cNvPr id="1" name=""/>
+        <p:cNvGrpSpPr/>
+        <p:nvPr/>
+      </p:nvGrpSpPr>
+      <p:grpSpPr>
+        <a:xfrm>
+          <a:off x="0" y="0"/>
+          <a:ext cx="0" cy="0"/>
+          <a:chOff x="0" y="0"/>
+          <a:chExt cx="0" cy="0"/>
+        </a:xfrm>
+      </p:grpSpPr>
+      <p:sp>
+        <p:nvSpPr>
+          <p:cNvPr id="2" name="Slide Image Placeholder 1"/>
+          <p:cNvSpPr>
+            <a:spLocks noGrp="1" noRot="1" noChangeAspect="1"/>
+          </p:cNvSpPr>
+          <p:nvPr>
+            <p:ph type="sldImg"/>
+          </p:nvPr>
+        </p:nvSpPr>
+        <p:spPr/>
+      </p:sp>
+      <p:sp>
+        <p:nvSpPr>
+          <p:cNvPr id="3" name="Notes Placeholder 2"/>
+          <p:cNvSpPr>
+            <a:spLocks noGrp="1"/>
+          </p:cNvSpPr>
+          <p:nvPr>
+            <p:ph type="body" idx="1"/>
+          </p:nvPr>
+        </p:nvSpPr>
+        <p:spPr/>
+        <p:txBody>
+          <a:bodyPr/>
+          <a:lstStyle/>
+          <a:p>
+            <a:r>
+              <a:rPr lang="en-US" dirty="0" smtClean="0"/>
+              <a:t>It’s a broad topic,</a:t>
+            </a:r>
+            <a:r>
+              <a:rPr lang="en-US" baseline="0" dirty="0" smtClean="0"/>
+              <a:t> so we will just briefly mention the sources</a:t>
+            </a:r>
+            <a:endParaRPr lang="en-US" dirty="0"/>
+          </a:p>
+        </p:txBody>
+      </p:sp>
+      <p:sp>
+        <p:nvSpPr>
+          <p:cNvPr id="4" name="Slide Number Placeholder 3"/>
+          <p:cNvSpPr>
+            <a:spLocks noGrp="1"/>
+          </p:cNvSpPr>
+          <p:nvPr>
+            <p:ph type="sldNum" sz="quarter" idx="10"/>
+          </p:nvPr>
+        </p:nvSpPr>
+        <p:spPr/>
+        <p:txBody>
+          <a:bodyPr/>
+          <a:lstStyle/>
+          <a:p>
+            <a:fld id="{AE1DE67C-C920-44E4-BE40-876EA236BA1A}" type="slidenum">
+              <a:rPr lang="en-US" smtClean="0"/>
+              <a:t>24</a:t>
+            </a:fld>
+            <a:endParaRPr lang="en-US"/>
+          </a:p>
+        </p:txBody>
+      </p:sp>
+    </p:spTree>
+    <p:extLst>
+      <p:ext uri="{BB962C8B-B14F-4D97-AF65-F5344CB8AC3E}">
+        <p14:creationId xmlns:p14="http://schemas.microsoft.com/office/powerpoint/2010/main" val="1661700282"/>
+      </p:ext>
+    </p:extLst>
+  </p:cSld>
+  <p:clrMapOvr>
+    <a:masterClrMapping/>
+  </p:clrMapOvr>
+</p:notes>
+</file>
+
+<file path=ppt/notesSlides/notesSlide22.xml><?xml version="1.0" encoding="utf-8"?>
+<p:notes xmlns:a="http://schemas.openxmlformats.org/drawingml/2006/main" xmlns:r="http://schemas.openxmlformats.org/officeDocument/2006/relationships" xmlns:p="http://schemas.openxmlformats.org/presentationml/2006/main">
+  <p:cSld>
+    <p:spTree>
+      <p:nvGrpSpPr>
+        <p:cNvPr id="1" name=""/>
+        <p:cNvGrpSpPr/>
+        <p:nvPr/>
+      </p:nvGrpSpPr>
+      <p:grpSpPr>
+        <a:xfrm>
+          <a:off x="0" y="0"/>
+          <a:ext cx="0" cy="0"/>
+          <a:chOff x="0" y="0"/>
+          <a:chExt cx="0" cy="0"/>
+        </a:xfrm>
+      </p:grpSpPr>
+      <p:sp>
+        <p:nvSpPr>
+          <p:cNvPr id="2" name="Slide Image Placeholder 1"/>
+          <p:cNvSpPr>
+            <a:spLocks noGrp="1" noRot="1" noChangeAspect="1"/>
+          </p:cNvSpPr>
+          <p:nvPr>
+            <p:ph type="sldImg"/>
+          </p:nvPr>
+        </p:nvSpPr>
+        <p:spPr/>
+      </p:sp>
+      <p:sp>
+        <p:nvSpPr>
+          <p:cNvPr id="3" name="Notes Placeholder 2"/>
+          <p:cNvSpPr>
+            <a:spLocks noGrp="1"/>
+          </p:cNvSpPr>
+          <p:nvPr>
+            <p:ph type="body" idx="1"/>
+          </p:nvPr>
+        </p:nvSpPr>
+        <p:spPr/>
+        <p:txBody>
+          <a:bodyPr/>
+          <a:lstStyle/>
+          <a:p>
+            <a:endParaRPr lang="en-US" dirty="0"/>
+          </a:p>
+        </p:txBody>
+      </p:sp>
+      <p:sp>
+        <p:nvSpPr>
+          <p:cNvPr id="4" name="Slide Number Placeholder 3"/>
+          <p:cNvSpPr>
+            <a:spLocks noGrp="1"/>
+          </p:cNvSpPr>
+          <p:nvPr>
+            <p:ph type="sldNum" sz="quarter" idx="10"/>
+          </p:nvPr>
+        </p:nvSpPr>
+        <p:spPr/>
+        <p:txBody>
+          <a:bodyPr/>
+          <a:lstStyle/>
+          <a:p>
+            <a:fld id="{AE1DE67C-C920-44E4-BE40-876EA236BA1A}" type="slidenum">
+              <a:rPr lang="en-US" smtClean="0"/>
+              <a:t>25</a:t>
+            </a:fld>
+            <a:endParaRPr lang="en-US"/>
+          </a:p>
+        </p:txBody>
+      </p:sp>
+    </p:spTree>
+    <p:extLst>
+      <p:ext uri="{BB962C8B-B14F-4D97-AF65-F5344CB8AC3E}">
+        <p14:creationId xmlns:p14="http://schemas.microsoft.com/office/powerpoint/2010/main" val="244135193"/>
+      </p:ext>
+    </p:extLst>
+  </p:cSld>
+  <p:clrMapOvr>
+    <a:masterClrMapping/>
+  </p:clrMapOvr>
+</p:notes>
+</file>
+
+<file path=ppt/notesSlides/notesSlide23.xml><?xml version="1.0" encoding="utf-8"?>
+<p:notes xmlns:a="http://schemas.openxmlformats.org/drawingml/2006/main" xmlns:r="http://schemas.openxmlformats.org/officeDocument/2006/relationships" xmlns:p="http://schemas.openxmlformats.org/presentationml/2006/main">
+  <p:cSld>
+    <p:spTree>
+      <p:nvGrpSpPr>
+        <p:cNvPr id="1" name=""/>
+        <p:cNvGrpSpPr/>
+        <p:nvPr/>
+      </p:nvGrpSpPr>
+      <p:grpSpPr>
+        <a:xfrm>
+          <a:off x="0" y="0"/>
+          <a:ext cx="0" cy="0"/>
+          <a:chOff x="0" y="0"/>
+          <a:chExt cx="0" cy="0"/>
+        </a:xfrm>
+      </p:grpSpPr>
+      <p:sp>
+        <p:nvSpPr>
+          <p:cNvPr id="2" name="Slide Image Placeholder 1"/>
+          <p:cNvSpPr>
+            <a:spLocks noGrp="1" noRot="1" noChangeAspect="1"/>
+          </p:cNvSpPr>
+          <p:nvPr>
+            <p:ph type="sldImg"/>
+          </p:nvPr>
+        </p:nvSpPr>
+        <p:spPr/>
+      </p:sp>
+      <p:sp>
+        <p:nvSpPr>
+          <p:cNvPr id="3" name="Notes Placeholder 2"/>
+          <p:cNvSpPr>
+            <a:spLocks noGrp="1"/>
+          </p:cNvSpPr>
+          <p:nvPr>
+            <p:ph type="body" idx="1"/>
+          </p:nvPr>
+        </p:nvSpPr>
+        <p:spPr/>
+        <p:txBody>
+          <a:bodyPr/>
+          <a:lstStyle/>
+          <a:p>
+            <a:r>
+              <a:rPr lang="en-US" dirty="0" smtClean="0"/>
+              <a:t>Triad color harmony</a:t>
+            </a:r>
+            <a:r>
+              <a:rPr lang="en-US" baseline="0" dirty="0" smtClean="0"/>
+              <a:t> rule: 120 degrees on a color wheel + plus different levels of saturation for different shades of the same color</a:t>
+            </a:r>
+            <a:endParaRPr lang="en-US" dirty="0"/>
+          </a:p>
+        </p:txBody>
+      </p:sp>
+      <p:sp>
+        <p:nvSpPr>
+          <p:cNvPr id="4" name="Slide Number Placeholder 3"/>
+          <p:cNvSpPr>
+            <a:spLocks noGrp="1"/>
+          </p:cNvSpPr>
+          <p:nvPr>
+            <p:ph type="sldNum" sz="quarter" idx="10"/>
+          </p:nvPr>
+        </p:nvSpPr>
+        <p:spPr/>
+        <p:txBody>
+          <a:bodyPr/>
+          <a:lstStyle/>
+          <a:p>
+            <a:fld id="{AE1DE67C-C920-44E4-BE40-876EA236BA1A}" type="slidenum">
+              <a:rPr lang="en-US" smtClean="0"/>
+              <a:t>26</a:t>
+            </a:fld>
+            <a:endParaRPr lang="en-US"/>
+          </a:p>
+        </p:txBody>
+      </p:sp>
+    </p:spTree>
+    <p:extLst>
+      <p:ext uri="{BB962C8B-B14F-4D97-AF65-F5344CB8AC3E}">
+        <p14:creationId xmlns:p14="http://schemas.microsoft.com/office/powerpoint/2010/main" val="1185433109"/>
+      </p:ext>
+    </p:extLst>
+  </p:cSld>
+  <p:clrMapOvr>
+    <a:masterClrMapping/>
+  </p:clrMapOvr>
+</p:notes>
+</file>
+
+<file path=ppt/notesSlides/notesSlide24.xml><?xml version="1.0" encoding="utf-8"?>
 <p:notes xmlns:a="http://schemas.openxmlformats.org/drawingml/2006/main" xmlns:r="http://schemas.openxmlformats.org/officeDocument/2006/relationships" xmlns:p="http://schemas.openxmlformats.org/presentationml/2006/main">
   <p:cSld>
     <p:spTree>
@@ -2837,55 +3416,14 @@
           <a:bodyPr/>
           <a:lstStyle/>
           <a:p>
-            <a:pPr marL="0" marR="0" lvl="0" indent="0" algn="l" defTabSz="914400" rtl="0" eaLnBrk="1" fontAlgn="auto" latinLnBrk="0" hangingPunct="1">
-              <a:lnSpc>
-                <a:spcPct val="100000"/>
-              </a:lnSpc>
-              <a:spcBef>
-                <a:spcPts val="0"/>
-              </a:spcBef>
-              <a:spcAft>
-                <a:spcPts val="0"/>
-              </a:spcAft>
-              <a:buClrTx/>
-              <a:buSzTx/>
-              <a:buFontTx/>
-              <a:buNone/>
-              <a:tabLst/>
-              <a:defRPr/>
-            </a:pPr>
-            <a:r>
-              <a:rPr lang="en-US" sz="1200" dirty="0" smtClean="0"/>
-              <a:t>One immediate problem with the chart above is the unusual spatial representation of time: therein it flows right-to-left instead of left-to-right as the overwhelming majority of us are accustomed to. This custom is by no means instinct in all humans, but rather internalized in the first years of our life in a culture-specific way: indeed, certain peoples such as Aymara, when asked to point in the direction of time flow, would place past events in front of them and the future ones behind.</a:t>
-            </a:r>
-          </a:p>
-          <a:p>
-            <a:endParaRPr lang="en-US" dirty="0" smtClean="0"/>
-          </a:p>
-          <a:p>
-            <a:pPr marL="0" marR="0" lvl="0" indent="0" algn="l" defTabSz="914400" rtl="0" eaLnBrk="1" fontAlgn="auto" latinLnBrk="0" hangingPunct="1">
-              <a:lnSpc>
-                <a:spcPct val="100000"/>
-              </a:lnSpc>
-              <a:spcBef>
-                <a:spcPts val="0"/>
-              </a:spcBef>
-              <a:spcAft>
-                <a:spcPts val="0"/>
-              </a:spcAft>
-              <a:buClrTx/>
-              <a:buSzTx/>
-              <a:buFontTx/>
-              <a:buNone/>
-              <a:tabLst/>
-              <a:defRPr/>
-            </a:pPr>
-            <a:r>
-              <a:rPr lang="en-US" sz="1200" dirty="0" smtClean="0"/>
-              <a:t>It is the presenter's task to understand these concepts and be informed of the wiring of the audience's brains to foster concentration on the primary information. Which would maybe imply drawing charts differently for Aymara speakers.</a:t>
-            </a:r>
-          </a:p>
-          <a:p>
+            <a:r>
+              <a:rPr lang="en-US" dirty="0" smtClean="0"/>
+              <a:t>At every image the first thing</a:t>
+            </a:r>
+            <a:r>
+              <a:rPr lang="en-US" baseline="0" dirty="0" smtClean="0"/>
+              <a:t> we notice is the part that stands out: different orientation, position, and so on.</a:t>
+            </a:r>
             <a:endParaRPr lang="en-US" dirty="0"/>
           </a:p>
         </p:txBody>
@@ -2907,7 +3445,7 @@
           <a:p>
             <a:fld id="{AE1DE67C-C920-44E4-BE40-876EA236BA1A}" type="slidenum">
               <a:rPr lang="en-US" smtClean="0"/>
-              <a:t>9</a:t>
+              <a:t>5</a:t>
             </a:fld>
             <a:endParaRPr lang="en-US"/>
           </a:p>
@@ -2916,7 +3454,7 @@
     </p:spTree>
     <p:extLst>
       <p:ext uri="{BB962C8B-B14F-4D97-AF65-F5344CB8AC3E}">
-        <p14:creationId xmlns:p14="http://schemas.microsoft.com/office/powerpoint/2010/main" val="1429478495"/>
+        <p14:creationId xmlns:p14="http://schemas.microsoft.com/office/powerpoint/2010/main" val="3508931715"/>
       </p:ext>
     </p:extLst>
   </p:cSld>
@@ -2970,6 +3508,156 @@
           <a:bodyPr/>
           <a:lstStyle/>
           <a:p>
+            <a:r>
+              <a:rPr lang="en-US" dirty="0" smtClean="0"/>
+              <a:t>However,</a:t>
+            </a:r>
+            <a:r>
+              <a:rPr lang="en-US" baseline="0" dirty="0" smtClean="0"/>
+              <a:t> if there are too many objects we start to look at them as a whole </a:t>
+            </a:r>
+          </a:p>
+          <a:p>
+            <a:endParaRPr lang="en-US" baseline="0" dirty="0" smtClean="0"/>
+          </a:p>
+          <a:p>
+            <a:r>
+              <a:rPr lang="en-US" baseline="0" dirty="0" smtClean="0"/>
+              <a:t>For example: it is much easier to read 10,000,000 when thousands are separated by commas</a:t>
+            </a:r>
+          </a:p>
+          <a:p>
+            <a:endParaRPr lang="en-US" baseline="0" dirty="0" smtClean="0"/>
+          </a:p>
+          <a:p>
+            <a:r>
+              <a:rPr lang="en-US" baseline="0" dirty="0" smtClean="0"/>
+              <a:t>We are pattern seekers and our brain starts making up a story even before we have a chance to process the whole picture. Suppose you are walking a park and spot something snake-like under your feet. Millions of years of evolution have resulted in innate fear of snakes in humans – you would first leap away and only then think, whether it is a snake or a stick.</a:t>
+            </a:r>
+          </a:p>
+          <a:p>
+            <a:endParaRPr lang="en-US" baseline="0" dirty="0" smtClean="0"/>
+          </a:p>
+          <a:p>
+            <a:pPr marL="228600" marR="0" lvl="0" indent="-228600" algn="l" defTabSz="914400" rtl="0" eaLnBrk="1" fontAlgn="auto" latinLnBrk="0" hangingPunct="1">
+              <a:lnSpc>
+                <a:spcPct val="125000"/>
+              </a:lnSpc>
+              <a:spcBef>
+                <a:spcPts val="1200"/>
+              </a:spcBef>
+              <a:spcAft>
+                <a:spcPts val="1200"/>
+              </a:spcAft>
+              <a:buClrTx/>
+              <a:buSzTx/>
+              <a:buFont typeface="Arial" panose="020B0604020202020204" pitchFamily="34" charset="0"/>
+              <a:buChar char="•"/>
+              <a:tabLst/>
+              <a:defRPr/>
+            </a:pPr>
+            <a:r>
+              <a:rPr kumimoji="0" lang="en-US" sz="2400" b="0" i="0" u="none" strike="noStrike" kern="1200" cap="none" spc="0" normalizeH="0" baseline="0" noProof="0" dirty="0" smtClean="0">
+                <a:ln>
+                  <a:noFill/>
+                </a:ln>
+                <a:solidFill>
+                  <a:prstClr val="black"/>
+                </a:solidFill>
+                <a:effectLst/>
+                <a:uLnTx/>
+                <a:uFillTx/>
+                <a:latin typeface="+mn-lt"/>
+                <a:ea typeface="+mn-ea"/>
+                <a:cs typeface="+mn-cs"/>
+              </a:rPr>
+              <a:t>Evolutionary baggage: warmer colors are associated with higher values or 'good' -- helpful to discern ripe fruits from the surrounding foliage, preference for symmetry</a:t>
+            </a:r>
+          </a:p>
+          <a:p>
+            <a:pPr marL="228600" marR="0" lvl="0" indent="-228600" algn="l" defTabSz="914400" rtl="0" eaLnBrk="1" fontAlgn="auto" latinLnBrk="0" hangingPunct="1">
+              <a:lnSpc>
+                <a:spcPct val="125000"/>
+              </a:lnSpc>
+              <a:spcBef>
+                <a:spcPts val="1200"/>
+              </a:spcBef>
+              <a:spcAft>
+                <a:spcPts val="1200"/>
+              </a:spcAft>
+              <a:buClrTx/>
+              <a:buSzTx/>
+              <a:buFont typeface="Arial" panose="020B0604020202020204" pitchFamily="34" charset="0"/>
+              <a:buChar char="•"/>
+              <a:tabLst/>
+              <a:defRPr/>
+            </a:pPr>
+            <a:endParaRPr kumimoji="0" lang="en-US" sz="2400" b="0" i="0" u="none" strike="noStrike" kern="1200" cap="none" spc="0" normalizeH="0" baseline="0" noProof="0" dirty="0" smtClean="0">
+              <a:ln>
+                <a:noFill/>
+              </a:ln>
+              <a:solidFill>
+                <a:prstClr val="black"/>
+              </a:solidFill>
+              <a:effectLst/>
+              <a:uLnTx/>
+              <a:uFillTx/>
+              <a:latin typeface="+mn-lt"/>
+              <a:ea typeface="+mn-ea"/>
+              <a:cs typeface="+mn-cs"/>
+            </a:endParaRPr>
+          </a:p>
+          <a:p>
+            <a:pPr marL="228600" marR="0" lvl="0" indent="-228600" algn="l" defTabSz="914400" rtl="0" eaLnBrk="1" fontAlgn="auto" latinLnBrk="0" hangingPunct="1">
+              <a:lnSpc>
+                <a:spcPct val="125000"/>
+              </a:lnSpc>
+              <a:spcBef>
+                <a:spcPts val="1200"/>
+              </a:spcBef>
+              <a:spcAft>
+                <a:spcPts val="1200"/>
+              </a:spcAft>
+              <a:buClrTx/>
+              <a:buSzTx/>
+              <a:buFont typeface="Arial" panose="020B0604020202020204" pitchFamily="34" charset="0"/>
+              <a:buChar char="•"/>
+              <a:tabLst/>
+              <a:defRPr/>
+            </a:pPr>
+            <a:r>
+              <a:rPr kumimoji="0" lang="en-US" sz="2400" b="0" i="0" u="none" strike="noStrike" kern="1200" cap="none" spc="0" normalizeH="0" baseline="0" noProof="0" dirty="0" smtClean="0">
+                <a:ln>
+                  <a:noFill/>
+                </a:ln>
+                <a:solidFill>
+                  <a:prstClr val="black"/>
+                </a:solidFill>
+                <a:effectLst/>
+                <a:uLnTx/>
+                <a:uFillTx/>
+                <a:latin typeface="+mn-lt"/>
+                <a:ea typeface="+mn-ea"/>
+                <a:cs typeface="+mn-cs"/>
+              </a:rPr>
+              <a:t>Societal conventions: the time flows from left to right, text is read top-to-bottom, and left-to-right in European cultures</a:t>
+            </a:r>
+            <a:endParaRPr kumimoji="0" lang="en-US" sz="2800" b="0" i="0" u="none" strike="noStrike" kern="1200" cap="none" spc="0" normalizeH="0" baseline="0" noProof="0" dirty="0" smtClean="0">
+              <a:ln>
+                <a:noFill/>
+              </a:ln>
+              <a:solidFill>
+                <a:prstClr val="black"/>
+              </a:solidFill>
+              <a:effectLst/>
+              <a:uLnTx/>
+              <a:uFillTx/>
+              <a:latin typeface="+mn-lt"/>
+              <a:ea typeface="+mn-ea"/>
+              <a:cs typeface="+mn-cs"/>
+            </a:endParaRPr>
+          </a:p>
+          <a:p>
             <a:endParaRPr lang="en-US" dirty="0"/>
           </a:p>
         </p:txBody>
@@ -2991,7 +3679,7 @@
           <a:p>
             <a:fld id="{AE1DE67C-C920-44E4-BE40-876EA236BA1A}" type="slidenum">
               <a:rPr lang="en-US" smtClean="0"/>
-              <a:t>10</a:t>
+              <a:t>6</a:t>
             </a:fld>
             <a:endParaRPr lang="en-US"/>
           </a:p>
@@ -3000,7 +3688,7 @@
     </p:spTree>
     <p:extLst>
       <p:ext uri="{BB962C8B-B14F-4D97-AF65-F5344CB8AC3E}">
-        <p14:creationId xmlns:p14="http://schemas.microsoft.com/office/powerpoint/2010/main" val="1449488280"/>
+        <p14:creationId xmlns:p14="http://schemas.microsoft.com/office/powerpoint/2010/main" val="1839709882"/>
       </p:ext>
     </p:extLst>
   </p:cSld>
@@ -3054,14 +3742,372 @@
           <a:bodyPr/>
           <a:lstStyle/>
           <a:p>
+            <a:pPr marL="171450" indent="-171450">
+              <a:buFont typeface="Wingdings" panose="05000000000000000000" pitchFamily="2" charset="2"/>
+              <a:buChar char="Ø"/>
+            </a:pPr>
+            <a:r>
+              <a:rPr lang="en-US" sz="1200" dirty="0" smtClean="0"/>
+              <a:t>As the brain of an audience member starts to make sense out of the slide, it (the brain) has to process the following:</a:t>
+            </a:r>
+          </a:p>
+          <a:p>
+            <a:pPr marL="171450" indent="-171450">
+              <a:buFont typeface="Wingdings" panose="05000000000000000000" pitchFamily="2" charset="2"/>
+              <a:buChar char="Ø"/>
+            </a:pPr>
+            <a:endParaRPr lang="en-US" sz="1200" dirty="0" smtClean="0"/>
+          </a:p>
+          <a:p>
+            <a:pPr marL="171450" indent="-171450">
+              <a:buFont typeface="Wingdings" panose="05000000000000000000" pitchFamily="2" charset="2"/>
+              <a:buChar char="Ø"/>
+            </a:pPr>
+            <a:r>
+              <a:rPr lang="en-US" sz="1200" dirty="0" smtClean="0"/>
+              <a:t>the concept of a chart;</a:t>
+            </a:r>
+          </a:p>
+          <a:p>
+            <a:pPr marL="171450" indent="-171450">
+              <a:buFont typeface="Wingdings" panose="05000000000000000000" pitchFamily="2" charset="2"/>
+              <a:buChar char="Ø"/>
+            </a:pPr>
+            <a:endParaRPr lang="en-US" sz="1200" dirty="0" smtClean="0"/>
+          </a:p>
+          <a:p>
+            <a:pPr marL="171450" indent="-171450">
+              <a:buFont typeface="Wingdings" panose="05000000000000000000" pitchFamily="2" charset="2"/>
+              <a:buChar char="Ø"/>
+            </a:pPr>
+            <a:r>
+              <a:rPr lang="en-US" sz="1200" dirty="0" smtClean="0"/>
+              <a:t>the concept of an index;</a:t>
+            </a:r>
+          </a:p>
+          <a:p>
+            <a:pPr marL="171450" indent="-171450">
+              <a:buFont typeface="Wingdings" panose="05000000000000000000" pitchFamily="2" charset="2"/>
+              <a:buChar char="Ø"/>
+            </a:pPr>
+            <a:endParaRPr lang="en-US" sz="1200" dirty="0" smtClean="0"/>
+          </a:p>
+          <a:p>
+            <a:pPr marL="171450" indent="-171450">
+              <a:buFont typeface="Wingdings" panose="05000000000000000000" pitchFamily="2" charset="2"/>
+              <a:buChar char="Ø"/>
+            </a:pPr>
+            <a:r>
+              <a:rPr lang="en-US" sz="1200" dirty="0" smtClean="0"/>
+              <a:t>spatial representation of time flow;</a:t>
+            </a:r>
+          </a:p>
+          <a:p>
+            <a:pPr marL="171450" indent="-171450">
+              <a:buFont typeface="Wingdings" panose="05000000000000000000" pitchFamily="2" charset="2"/>
+              <a:buChar char="Ø"/>
+            </a:pPr>
+            <a:endParaRPr lang="en-US" sz="1200" dirty="0" smtClean="0"/>
+          </a:p>
+          <a:p>
+            <a:pPr marL="171450" indent="-171450">
+              <a:buFont typeface="Wingdings" panose="05000000000000000000" pitchFamily="2" charset="2"/>
+              <a:buChar char="Ø"/>
+            </a:pPr>
+            <a:r>
+              <a:rPr lang="en-US" sz="1200" dirty="0" err="1" smtClean="0"/>
+              <a:t>colormap</a:t>
+            </a:r>
+            <a:r>
+              <a:rPr lang="en-US" sz="1200" dirty="0" smtClean="0"/>
+              <a:t>;</a:t>
+            </a:r>
+          </a:p>
+          <a:p>
+            <a:pPr marL="171450" indent="-171450">
+              <a:buFont typeface="Wingdings" panose="05000000000000000000" pitchFamily="2" charset="2"/>
+              <a:buChar char="Ø"/>
+            </a:pPr>
+            <a:endParaRPr lang="en-US" sz="1200" dirty="0" smtClean="0"/>
+          </a:p>
+          <a:p>
+            <a:pPr marL="171450" indent="-171450">
+              <a:buFont typeface="Wingdings" panose="05000000000000000000" pitchFamily="2" charset="2"/>
+              <a:buChar char="Ø"/>
+            </a:pPr>
+            <a:r>
+              <a:rPr lang="en-US" sz="1200" b="1" dirty="0" smtClean="0"/>
+              <a:t>representation of dates;</a:t>
+            </a:r>
+          </a:p>
+          <a:p>
+            <a:pPr marL="171450" indent="-171450">
+              <a:buFont typeface="Wingdings" panose="05000000000000000000" pitchFamily="2" charset="2"/>
+              <a:buChar char="Ø"/>
+            </a:pPr>
+            <a:endParaRPr lang="en-US" sz="1200" b="1" dirty="0" smtClean="0"/>
+          </a:p>
+          <a:p>
+            <a:r>
+              <a:rPr lang="en-US" sz="1200" dirty="0" smtClean="0"/>
+              <a:t>...[a million other things]</a:t>
+            </a:r>
+          </a:p>
+          <a:p>
+            <a:r>
+              <a:rPr lang="en-US" sz="1200" dirty="0" smtClean="0"/>
+              <a:t>...</a:t>
+            </a:r>
+          </a:p>
+          <a:p>
+            <a:pPr marL="171450" indent="-171450">
+              <a:buFont typeface="Wingdings" panose="05000000000000000000" pitchFamily="2" charset="2"/>
+              <a:buChar char="Ø"/>
+            </a:pPr>
+            <a:r>
+              <a:rPr lang="en-US" sz="1200" dirty="0" smtClean="0"/>
+              <a:t>the fact that Tesla has outperformed S&amp;P500</a:t>
+            </a:r>
+            <a:r>
+              <a:rPr lang="en-US" sz="1200" dirty="0" smtClean="0"/>
+              <a:t>.</a:t>
+            </a:r>
+          </a:p>
+          <a:p>
+            <a:pPr marL="171450" indent="-171450">
+              <a:buFont typeface="Wingdings" panose="05000000000000000000" pitchFamily="2" charset="2"/>
+              <a:buChar char="Ø"/>
+            </a:pPr>
+            <a:endParaRPr lang="en-US" sz="1200" dirty="0" smtClean="0"/>
+          </a:p>
+          <a:p>
+            <a:pPr marL="0" marR="0" lvl="0" indent="0" algn="l" defTabSz="914400" rtl="0" eaLnBrk="1" fontAlgn="auto" latinLnBrk="0" hangingPunct="1">
+              <a:lnSpc>
+                <a:spcPct val="100000"/>
+              </a:lnSpc>
+              <a:spcBef>
+                <a:spcPts val="0"/>
+              </a:spcBef>
+              <a:spcAft>
+                <a:spcPts val="0"/>
+              </a:spcAft>
+              <a:buClrTx/>
+              <a:buSzTx/>
+              <a:buFontTx/>
+              <a:buNone/>
+              <a:tabLst/>
+              <a:defRPr/>
+            </a:pPr>
+            <a:r>
+              <a:rPr lang="en-US" sz="1200" dirty="0" smtClean="0"/>
+              <a:t>One immediate problem with the chart above is the unusual spatial representation of time: therein it flows right-to-left instead of left-to-right as the overwhelming majority of us are accustomed to. This custom is by no means instinct in all humans, but rather internalized in the first years of our life in a culture-specific way: indeed, certain peoples such as Aymara, when asked to point in the direction of time flow, would place past events in front of them and the future ones behind.</a:t>
+            </a:r>
+          </a:p>
+          <a:p>
+            <a:pPr>
+              <a:lnSpc>
+                <a:spcPct val="100000"/>
+              </a:lnSpc>
+              <a:spcBef>
+                <a:spcPts val="1200"/>
+              </a:spcBef>
+              <a:spcAft>
+                <a:spcPts val="1200"/>
+              </a:spcAft>
+            </a:pPr>
+            <a:endParaRPr lang="en-US" sz="2400" dirty="0" smtClean="0"/>
+          </a:p>
+          <a:p>
+            <a:pPr>
+              <a:lnSpc>
+                <a:spcPct val="100000"/>
+              </a:lnSpc>
+              <a:spcBef>
+                <a:spcPts val="1200"/>
+              </a:spcBef>
+              <a:spcAft>
+                <a:spcPts val="1200"/>
+              </a:spcAft>
+            </a:pPr>
+            <a:r>
+              <a:rPr lang="en-US" sz="2400" dirty="0" smtClean="0"/>
+              <a:t>The majority of us is accustomed to the time flowing from left to right</a:t>
+            </a:r>
+          </a:p>
+          <a:p>
+            <a:pPr>
+              <a:lnSpc>
+                <a:spcPct val="100000"/>
+              </a:lnSpc>
+              <a:spcBef>
+                <a:spcPts val="1200"/>
+              </a:spcBef>
+              <a:spcAft>
+                <a:spcPts val="1200"/>
+              </a:spcAft>
+            </a:pPr>
+            <a:endParaRPr lang="en-US" sz="2400" dirty="0" smtClean="0"/>
+          </a:p>
+          <a:p>
+            <a:pPr>
+              <a:lnSpc>
+                <a:spcPct val="100000"/>
+              </a:lnSpc>
+              <a:spcBef>
+                <a:spcPts val="1200"/>
+              </a:spcBef>
+              <a:spcAft>
+                <a:spcPts val="1200"/>
+              </a:spcAft>
+            </a:pPr>
+            <a:r>
+              <a:rPr lang="en-US" sz="2400" dirty="0" smtClean="0"/>
+              <a:t>Although rather artificial, the reverse time example highlights several things to keep in mind when visualizing research findings:</a:t>
+            </a:r>
+          </a:p>
+          <a:p>
+            <a:pPr>
+              <a:lnSpc>
+                <a:spcPct val="100000"/>
+              </a:lnSpc>
+              <a:spcBef>
+                <a:spcPts val="1200"/>
+              </a:spcBef>
+              <a:spcAft>
+                <a:spcPts val="1200"/>
+              </a:spcAft>
+            </a:pPr>
+            <a:endParaRPr lang="en-US" sz="2400" dirty="0" smtClean="0"/>
+          </a:p>
+          <a:p>
+            <a:pPr lvl="1">
+              <a:lnSpc>
+                <a:spcPct val="100000"/>
+              </a:lnSpc>
+              <a:spcBef>
+                <a:spcPts val="1200"/>
+              </a:spcBef>
+              <a:spcAft>
+                <a:spcPts val="1200"/>
+              </a:spcAft>
+            </a:pPr>
             <a:r>
               <a:rPr lang="en-US" dirty="0" smtClean="0"/>
-              <a:t>We</a:t>
-            </a:r>
-            <a:r>
-              <a:rPr lang="en-US" baseline="0" dirty="0" smtClean="0"/>
-              <a:t> tend to parse visuals from top left to bottom right: so the prime real estate is in the top left, or in the middle if there’s not much information on a slide</a:t>
-            </a:r>
+              <a:t>there is what can heuristically be called </a:t>
+            </a:r>
+            <a:r>
+              <a:rPr lang="en-US" b="1" dirty="0" smtClean="0"/>
+              <a:t>primary</a:t>
+            </a:r>
+            <a:r>
+              <a:rPr lang="en-US" dirty="0" smtClean="0"/>
+              <a:t> and </a:t>
+            </a:r>
+            <a:r>
+              <a:rPr lang="en-US" b="1" dirty="0" smtClean="0"/>
+              <a:t>secondary</a:t>
+            </a:r>
+            <a:r>
+              <a:rPr lang="en-US" dirty="0" smtClean="0"/>
+              <a:t> information on every slide or figure</a:t>
+            </a:r>
+          </a:p>
+          <a:p>
+            <a:pPr lvl="1">
+              <a:lnSpc>
+                <a:spcPct val="100000"/>
+              </a:lnSpc>
+              <a:spcBef>
+                <a:spcPts val="1200"/>
+              </a:spcBef>
+              <a:spcAft>
+                <a:spcPts val="1200"/>
+              </a:spcAft>
+            </a:pPr>
+            <a:r>
+              <a:rPr lang="en-US" dirty="0" smtClean="0"/>
+              <a:t>the brain needs to process both while its resources are limited</a:t>
+            </a:r>
+          </a:p>
+          <a:p>
+            <a:pPr lvl="1">
+              <a:lnSpc>
+                <a:spcPct val="100000"/>
+              </a:lnSpc>
+              <a:spcBef>
+                <a:spcPts val="1200"/>
+              </a:spcBef>
+              <a:spcAft>
+                <a:spcPts val="1200"/>
+              </a:spcAft>
+            </a:pPr>
+            <a:endParaRPr lang="en-US" dirty="0" smtClean="0"/>
+          </a:p>
+          <a:p>
+            <a:pPr>
+              <a:lnSpc>
+                <a:spcPct val="100000"/>
+              </a:lnSpc>
+              <a:spcBef>
+                <a:spcPts val="1200"/>
+              </a:spcBef>
+              <a:spcAft>
+                <a:spcPts val="1200"/>
+              </a:spcAft>
+            </a:pPr>
+            <a:r>
+              <a:rPr lang="en-US" sz="2400" dirty="0" smtClean="0"/>
+              <a:t>It is the presenter's task to be informed of the wiring of the audience's brains to foster concentration on the primary information. Which would maybe imply drawing charts differently for Aymara speakers.</a:t>
+            </a:r>
+          </a:p>
+          <a:p>
+            <a:pPr marL="342900" indent="-342900">
+              <a:lnSpc>
+                <a:spcPct val="100000"/>
+              </a:lnSpc>
+              <a:spcBef>
+                <a:spcPts val="1200"/>
+              </a:spcBef>
+              <a:spcAft>
+                <a:spcPts val="1200"/>
+              </a:spcAft>
+              <a:buFont typeface="Wingdings" panose="05000000000000000000" pitchFamily="2" charset="2"/>
+              <a:buChar char="Ø"/>
+            </a:pPr>
+            <a:endParaRPr lang="en-US" sz="2400" dirty="0" smtClean="0"/>
+          </a:p>
+          <a:p>
+            <a:pPr marL="342900" indent="-342900">
+              <a:lnSpc>
+                <a:spcPct val="100000"/>
+              </a:lnSpc>
+              <a:spcBef>
+                <a:spcPts val="1200"/>
+              </a:spcBef>
+              <a:spcAft>
+                <a:spcPts val="1200"/>
+              </a:spcAft>
+              <a:buFont typeface="Wingdings" panose="05000000000000000000" pitchFamily="2" charset="2"/>
+              <a:buChar char="Ø"/>
+            </a:pPr>
+            <a:r>
+              <a:rPr lang="en-US" sz="2400" dirty="0" smtClean="0"/>
+              <a:t>A more concrete example would be American</a:t>
+            </a:r>
+            <a:r>
+              <a:rPr lang="en-US" sz="2400" baseline="0" dirty="0" smtClean="0"/>
+              <a:t> vs European date conventions (month first vs day first)</a:t>
+            </a:r>
+            <a:endParaRPr lang="en-US" sz="2400" dirty="0" smtClean="0"/>
+          </a:p>
+          <a:p>
+            <a:pPr marL="171450" indent="-171450">
+              <a:buFont typeface="Wingdings" panose="05000000000000000000" pitchFamily="2" charset="2"/>
+              <a:buChar char="Ø"/>
+            </a:pPr>
+            <a:endParaRPr lang="en-US" sz="1200" dirty="0" smtClean="0"/>
+          </a:p>
+          <a:p>
             <a:endParaRPr lang="en-US" dirty="0"/>
           </a:p>
         </p:txBody>
@@ -3083,7 +4129,7 @@
           <a:p>
             <a:fld id="{AE1DE67C-C920-44E4-BE40-876EA236BA1A}" type="slidenum">
               <a:rPr lang="en-US" smtClean="0"/>
-              <a:t>11</a:t>
+              <a:t>7</a:t>
             </a:fld>
             <a:endParaRPr lang="en-US"/>
           </a:p>
@@ -3092,7 +4138,7 @@
     </p:spTree>
     <p:extLst>
       <p:ext uri="{BB962C8B-B14F-4D97-AF65-F5344CB8AC3E}">
-        <p14:creationId xmlns:p14="http://schemas.microsoft.com/office/powerpoint/2010/main" val="1391499666"/>
+        <p14:creationId xmlns:p14="http://schemas.microsoft.com/office/powerpoint/2010/main" val="2228111920"/>
       </p:ext>
     </p:extLst>
   </p:cSld>
@@ -3146,14 +4192,23 @@
           <a:bodyPr/>
           <a:lstStyle/>
           <a:p>
-            <a:r>
-              <a:rPr lang="en-US" dirty="0" smtClean="0"/>
-              <a:t>A bit cluttered but passable,</a:t>
-            </a:r>
-            <a:r>
-              <a:rPr lang="en-US" baseline="0" dirty="0" smtClean="0"/>
-              <a:t> though misalignment of the decimals is a sore in the eye</a:t>
-            </a:r>
+            <a:pPr marL="0" marR="0" lvl="0" indent="0" algn="l" defTabSz="914400" rtl="0" eaLnBrk="1" fontAlgn="auto" latinLnBrk="0" hangingPunct="1">
+              <a:lnSpc>
+                <a:spcPct val="100000"/>
+              </a:lnSpc>
+              <a:spcBef>
+                <a:spcPts val="0"/>
+              </a:spcBef>
+              <a:spcAft>
+                <a:spcPts val="0"/>
+              </a:spcAft>
+              <a:buClrTx/>
+              <a:buSzTx/>
+              <a:buFontTx/>
+              <a:buNone/>
+              <a:tabLst/>
+              <a:defRPr/>
+            </a:pPr>
             <a:endParaRPr lang="en-US" dirty="0"/>
           </a:p>
         </p:txBody>
@@ -3175,7 +4230,7 @@
           <a:p>
             <a:fld id="{AE1DE67C-C920-44E4-BE40-876EA236BA1A}" type="slidenum">
               <a:rPr lang="en-US" smtClean="0"/>
-              <a:t>12</a:t>
+              <a:t>9</a:t>
             </a:fld>
             <a:endParaRPr lang="en-US"/>
           </a:p>
@@ -3184,7 +4239,7 @@
     </p:spTree>
     <p:extLst>
       <p:ext uri="{BB962C8B-B14F-4D97-AF65-F5344CB8AC3E}">
-        <p14:creationId xmlns:p14="http://schemas.microsoft.com/office/powerpoint/2010/main" val="1703972954"/>
+        <p14:creationId xmlns:p14="http://schemas.microsoft.com/office/powerpoint/2010/main" val="1429478495"/>
       </p:ext>
     </p:extLst>
   </p:cSld>
@@ -3238,52 +4293,6 @@
           <a:bodyPr/>
           <a:lstStyle/>
           <a:p>
-            <a:pPr marL="171450" indent="-171450">
-              <a:buFont typeface="Wingdings" panose="05000000000000000000" pitchFamily="2" charset="2"/>
-              <a:buChar char="Ø"/>
-            </a:pPr>
-            <a:r>
-              <a:rPr lang="en-US" dirty="0" err="1" smtClean="0"/>
-              <a:t>Dcolumn</a:t>
-            </a:r>
-            <a:r>
-              <a:rPr lang="en-US" dirty="0" smtClean="0"/>
-              <a:t> package allows to align the</a:t>
-            </a:r>
-            <a:r>
-              <a:rPr lang="en-US" baseline="0" dirty="0" smtClean="0"/>
-              <a:t> decimals + the sectors are closer</a:t>
-            </a:r>
-            <a:r>
-              <a:rPr lang="en-US" dirty="0" smtClean="0"/>
-              <a:t> (the</a:t>
-            </a:r>
-            <a:r>
-              <a:rPr lang="en-US" baseline="0" dirty="0" smtClean="0"/>
-              <a:t> code for the tables is in the repository)</a:t>
-            </a:r>
-          </a:p>
-          <a:p>
-            <a:pPr marL="171450" indent="-171450">
-              <a:buFont typeface="Wingdings" panose="05000000000000000000" pitchFamily="2" charset="2"/>
-              <a:buChar char="Ø"/>
-            </a:pPr>
-            <a:endParaRPr lang="en-US" baseline="0" dirty="0" smtClean="0"/>
-          </a:p>
-          <a:p>
-            <a:pPr marL="171450" indent="-171450">
-              <a:buFont typeface="Wingdings" panose="05000000000000000000" pitchFamily="2" charset="2"/>
-              <a:buChar char="Ø"/>
-            </a:pPr>
-            <a:r>
-              <a:rPr lang="en-US" baseline="0" dirty="0" smtClean="0"/>
-              <a:t>The lower left ‘de-emphasized’ corner is almost empty. The most interesting data – SPY and correlations are all to the left</a:t>
-            </a:r>
-          </a:p>
-          <a:p>
-            <a:endParaRPr lang="en-US" baseline="0" dirty="0" smtClean="0"/>
-          </a:p>
-          <a:p>
             <a:endParaRPr lang="en-US" dirty="0"/>
           </a:p>
         </p:txBody>
@@ -3305,7 +4314,7 @@
           <a:p>
             <a:fld id="{AE1DE67C-C920-44E4-BE40-876EA236BA1A}" type="slidenum">
               <a:rPr lang="en-US" smtClean="0"/>
-              <a:t>13</a:t>
+              <a:t>10</a:t>
             </a:fld>
             <a:endParaRPr lang="en-US"/>
           </a:p>
@@ -3314,7 +4323,7 @@
     </p:spTree>
     <p:extLst>
       <p:ext uri="{BB962C8B-B14F-4D97-AF65-F5344CB8AC3E}">
-        <p14:creationId xmlns:p14="http://schemas.microsoft.com/office/powerpoint/2010/main" val="338671264"/>
+        <p14:creationId xmlns:p14="http://schemas.microsoft.com/office/powerpoint/2010/main" val="1449488280"/>
       </p:ext>
     </p:extLst>
   </p:cSld>
@@ -3368,125 +4377,14 @@
           <a:bodyPr/>
           <a:lstStyle/>
           <a:p>
-            <a:pPr marL="0" marR="0" lvl="0" indent="0" algn="l" defTabSz="914400" rtl="0" eaLnBrk="1" fontAlgn="auto" latinLnBrk="0" hangingPunct="1">
-              <a:lnSpc>
-                <a:spcPct val="100000"/>
-              </a:lnSpc>
-              <a:spcBef>
-                <a:spcPts val="0"/>
-              </a:spcBef>
-              <a:spcAft>
-                <a:spcPts val="0"/>
-              </a:spcAft>
-              <a:buClrTx/>
-              <a:buSzTx/>
-              <a:buFontTx/>
-              <a:buNone/>
-              <a:tabLst/>
-              <a:defRPr/>
-            </a:pPr>
-            <a:r>
-              <a:rPr lang="en-US" sz="1200" dirty="0" smtClean="0"/>
-              <a:t>Now to the pattern seeking. The first thing we notice on the picture is the eye, then our gaze jumps around tracing the head and snout.</a:t>
-            </a:r>
-          </a:p>
-          <a:p>
-            <a:pPr marL="0" marR="0" lvl="0" indent="0" algn="l" defTabSz="914400" rtl="0" eaLnBrk="1" fontAlgn="auto" latinLnBrk="0" hangingPunct="1">
-              <a:lnSpc>
-                <a:spcPct val="100000"/>
-              </a:lnSpc>
-              <a:spcBef>
-                <a:spcPts val="0"/>
-              </a:spcBef>
-              <a:spcAft>
-                <a:spcPts val="0"/>
-              </a:spcAft>
-              <a:buClrTx/>
-              <a:buSzTx/>
-              <a:buFontTx/>
-              <a:buNone/>
-              <a:tabLst/>
-              <a:defRPr/>
-            </a:pPr>
-            <a:endParaRPr lang="en-US" sz="1200" dirty="0" smtClean="0"/>
-          </a:p>
-          <a:p>
-            <a:pPr marL="0" marR="0" lvl="0" indent="0" algn="l" defTabSz="914400" rtl="0" eaLnBrk="1" fontAlgn="auto" latinLnBrk="0" hangingPunct="1">
-              <a:lnSpc>
-                <a:spcPct val="100000"/>
-              </a:lnSpc>
-              <a:spcBef>
-                <a:spcPts val="0"/>
-              </a:spcBef>
-              <a:spcAft>
-                <a:spcPts val="0"/>
-              </a:spcAft>
-              <a:buClrTx/>
-              <a:buSzTx/>
-              <a:buFontTx/>
-              <a:buNone/>
-              <a:tabLst/>
-              <a:defRPr/>
-            </a:pPr>
-            <a:r>
-              <a:rPr lang="en-US" sz="1200" dirty="0" smtClean="0"/>
-              <a:t>Note that the eye is close</a:t>
-            </a:r>
-            <a:r>
-              <a:rPr lang="en-US" sz="1200" baseline="0" dirty="0" smtClean="0"/>
-              <a:t> to the center of the slide and image, and the most salient part of the image is situated in the top-left / middle</a:t>
-            </a:r>
-            <a:endParaRPr lang="en-US" sz="1200" dirty="0" smtClean="0"/>
-          </a:p>
-          <a:p>
-            <a:pPr marL="0" marR="0" lvl="0" indent="0" algn="l" defTabSz="914400" rtl="0" eaLnBrk="1" fontAlgn="auto" latinLnBrk="0" hangingPunct="1">
-              <a:lnSpc>
-                <a:spcPct val="100000"/>
-              </a:lnSpc>
-              <a:spcBef>
-                <a:spcPts val="0"/>
-              </a:spcBef>
-              <a:spcAft>
-                <a:spcPts val="0"/>
-              </a:spcAft>
-              <a:buClrTx/>
-              <a:buSzTx/>
-              <a:buFontTx/>
-              <a:buNone/>
-              <a:tabLst/>
-              <a:defRPr/>
-            </a:pPr>
-            <a:endParaRPr lang="en-US" sz="1200" dirty="0" smtClean="0"/>
-          </a:p>
-          <a:p>
-            <a:pPr marL="0" marR="0" lvl="0" indent="0" algn="l" defTabSz="914400" rtl="0" eaLnBrk="1" fontAlgn="auto" latinLnBrk="0" hangingPunct="1">
-              <a:lnSpc>
-                <a:spcPct val="100000"/>
-              </a:lnSpc>
-              <a:spcBef>
-                <a:spcPts val="0"/>
-              </a:spcBef>
-              <a:spcAft>
-                <a:spcPts val="0"/>
-              </a:spcAft>
-              <a:buClrTx/>
-              <a:buSzTx/>
-              <a:buFontTx/>
-              <a:buNone/>
-              <a:tabLst/>
-              <a:defRPr/>
-            </a:pPr>
-            <a:r>
-              <a:rPr lang="en-US" sz="1200" dirty="0" smtClean="0"/>
-              <a:t>Note,</a:t>
-            </a:r>
-            <a:r>
-              <a:rPr lang="en-US" sz="1200" baseline="0" dirty="0" smtClean="0"/>
-              <a:t> that  we decode the image in a rather predictable fashion, we can exploit it to craft </a:t>
-            </a:r>
-            <a:endParaRPr lang="en-US" sz="1200" dirty="0" smtClean="0"/>
-          </a:p>
-          <a:p>
+            <a:r>
+              <a:rPr lang="en-US" dirty="0" smtClean="0"/>
+              <a:t>We</a:t>
+            </a:r>
+            <a:r>
+              <a:rPr lang="en-US" baseline="0" dirty="0" smtClean="0"/>
+              <a:t> tend to parse visuals from top left to bottom right: so the prime real estate is in the top left, or in the middle if there’s not much information on a slide</a:t>
+            </a:r>
             <a:endParaRPr lang="en-US" dirty="0"/>
           </a:p>
         </p:txBody>
@@ -3508,7 +4406,7 @@
           <a:p>
             <a:fld id="{AE1DE67C-C920-44E4-BE40-876EA236BA1A}" type="slidenum">
               <a:rPr lang="en-US" smtClean="0"/>
-              <a:t>14</a:t>
+              <a:t>11</a:t>
             </a:fld>
             <a:endParaRPr lang="en-US"/>
           </a:p>
@@ -3517,7 +4415,7 @@
     </p:spTree>
     <p:extLst>
       <p:ext uri="{BB962C8B-B14F-4D97-AF65-F5344CB8AC3E}">
-        <p14:creationId xmlns:p14="http://schemas.microsoft.com/office/powerpoint/2010/main" val="199563598"/>
+        <p14:creationId xmlns:p14="http://schemas.microsoft.com/office/powerpoint/2010/main" val="1391499666"/>
       </p:ext>
     </p:extLst>
   </p:cSld>
@@ -3571,6 +4469,14 @@
           <a:bodyPr/>
           <a:lstStyle/>
           <a:p>
+            <a:r>
+              <a:rPr lang="en-US" dirty="0" smtClean="0"/>
+              <a:t>A bit cluttered but passable,</a:t>
+            </a:r>
+            <a:r>
+              <a:rPr lang="en-US" baseline="0" dirty="0" smtClean="0"/>
+              <a:t> though misalignment of the decimals is a sore in the eye</a:t>
+            </a:r>
             <a:endParaRPr lang="en-US" dirty="0"/>
           </a:p>
         </p:txBody>
@@ -3592,7 +4498,7 @@
           <a:p>
             <a:fld id="{AE1DE67C-C920-44E4-BE40-876EA236BA1A}" type="slidenum">
               <a:rPr lang="en-US" smtClean="0"/>
-              <a:t>16</a:t>
+              <a:t>12</a:t>
             </a:fld>
             <a:endParaRPr lang="en-US"/>
           </a:p>
@@ -3601,7 +4507,7 @@
     </p:spTree>
     <p:extLst>
       <p:ext uri="{BB962C8B-B14F-4D97-AF65-F5344CB8AC3E}">
-        <p14:creationId xmlns:p14="http://schemas.microsoft.com/office/powerpoint/2010/main" val="2642832892"/>
+        <p14:creationId xmlns:p14="http://schemas.microsoft.com/office/powerpoint/2010/main" val="1703972954"/>
       </p:ext>
     </p:extLst>
   </p:cSld>
@@ -3742,7 +4648,7 @@
           <a:p>
             <a:fld id="{BAEB4113-CC9A-4791-AE56-CF423D86ED9A}" type="datetimeFigureOut">
               <a:rPr lang="en-US" smtClean="0"/>
-              <a:t>8/23/2020</a:t>
+              <a:t>11/8/2020</a:t>
             </a:fld>
             <a:endParaRPr lang="en-US"/>
           </a:p>
@@ -3912,7 +4818,7 @@
           <a:p>
             <a:fld id="{BAEB4113-CC9A-4791-AE56-CF423D86ED9A}" type="datetimeFigureOut">
               <a:rPr lang="en-US" smtClean="0"/>
-              <a:t>8/23/2020</a:t>
+              <a:t>11/8/2020</a:t>
             </a:fld>
             <a:endParaRPr lang="en-US"/>
           </a:p>
@@ -4092,7 +4998,7 @@
           <a:p>
             <a:fld id="{BAEB4113-CC9A-4791-AE56-CF423D86ED9A}" type="datetimeFigureOut">
               <a:rPr lang="en-US" smtClean="0"/>
-              <a:t>8/23/2020</a:t>
+              <a:t>11/8/2020</a:t>
             </a:fld>
             <a:endParaRPr lang="en-US"/>
           </a:p>
@@ -4262,7 +5168,7 @@
           <a:p>
             <a:fld id="{BAEB4113-CC9A-4791-AE56-CF423D86ED9A}" type="datetimeFigureOut">
               <a:rPr lang="en-US" smtClean="0"/>
-              <a:t>8/23/2020</a:t>
+              <a:t>11/8/2020</a:t>
             </a:fld>
             <a:endParaRPr lang="en-US"/>
           </a:p>
@@ -4508,7 +5414,7 @@
           <a:p>
             <a:fld id="{BAEB4113-CC9A-4791-AE56-CF423D86ED9A}" type="datetimeFigureOut">
               <a:rPr lang="en-US" smtClean="0"/>
-              <a:t>8/23/2020</a:t>
+              <a:t>11/8/2020</a:t>
             </a:fld>
             <a:endParaRPr lang="en-US"/>
           </a:p>
@@ -4740,7 +5646,7 @@
           <a:p>
             <a:fld id="{BAEB4113-CC9A-4791-AE56-CF423D86ED9A}" type="datetimeFigureOut">
               <a:rPr lang="en-US" smtClean="0"/>
-              <a:t>8/23/2020</a:t>
+              <a:t>11/8/2020</a:t>
             </a:fld>
             <a:endParaRPr lang="en-US"/>
           </a:p>
@@ -5107,7 +6013,7 @@
           <a:p>
             <a:fld id="{BAEB4113-CC9A-4791-AE56-CF423D86ED9A}" type="datetimeFigureOut">
               <a:rPr lang="en-US" smtClean="0"/>
-              <a:t>8/23/2020</a:t>
+              <a:t>11/8/2020</a:t>
             </a:fld>
             <a:endParaRPr lang="en-US"/>
           </a:p>
@@ -5225,7 +6131,7 @@
           <a:p>
             <a:fld id="{BAEB4113-CC9A-4791-AE56-CF423D86ED9A}" type="datetimeFigureOut">
               <a:rPr lang="en-US" smtClean="0"/>
-              <a:t>8/23/2020</a:t>
+              <a:t>11/8/2020</a:t>
             </a:fld>
             <a:endParaRPr lang="en-US"/>
           </a:p>
@@ -5320,7 +6226,7 @@
           <a:p>
             <a:fld id="{BAEB4113-CC9A-4791-AE56-CF423D86ED9A}" type="datetimeFigureOut">
               <a:rPr lang="en-US" smtClean="0"/>
-              <a:t>8/23/2020</a:t>
+              <a:t>11/8/2020</a:t>
             </a:fld>
             <a:endParaRPr lang="en-US"/>
           </a:p>
@@ -5597,7 +6503,7 @@
           <a:p>
             <a:fld id="{BAEB4113-CC9A-4791-AE56-CF423D86ED9A}" type="datetimeFigureOut">
               <a:rPr lang="en-US" smtClean="0"/>
-              <a:t>8/23/2020</a:t>
+              <a:t>11/8/2020</a:t>
             </a:fld>
             <a:endParaRPr lang="en-US"/>
           </a:p>
@@ -5850,7 +6756,7 @@
           <a:p>
             <a:fld id="{BAEB4113-CC9A-4791-AE56-CF423D86ED9A}" type="datetimeFigureOut">
               <a:rPr lang="en-US" smtClean="0"/>
-              <a:t>8/23/2020</a:t>
+              <a:t>11/8/2020</a:t>
             </a:fld>
             <a:endParaRPr lang="en-US"/>
           </a:p>
@@ -6063,7 +6969,7 @@
           <a:p>
             <a:fld id="{BAEB4113-CC9A-4791-AE56-CF423D86ED9A}" type="datetimeFigureOut">
               <a:rPr lang="en-US" smtClean="0"/>
-              <a:t>8/23/2020</a:t>
+              <a:t>11/8/2020</a:t>
             </a:fld>
             <a:endParaRPr lang="en-US"/>
           </a:p>
@@ -6478,14 +7384,23 @@
             <p:ph type="ctrTitle"/>
           </p:nvPr>
         </p:nvSpPr>
-        <p:spPr/>
+        <p:spPr>
+          <a:xfrm>
+            <a:off x="1676400" y="595717"/>
+            <a:ext cx="9144000" cy="2387600"/>
+          </a:xfrm>
+        </p:spPr>
         <p:txBody>
           <a:bodyPr/>
           <a:lstStyle/>
           <a:p>
             <a:r>
               <a:rPr lang="en-US" dirty="0" smtClean="0"/>
-              <a:t>Strategies for Effective Data Visualization</a:t>
+              <a:t>Strategies for Effective Data </a:t>
+            </a:r>
+            <a:r>
+              <a:rPr lang="en-US" dirty="0" smtClean="0"/>
+              <a:t>Visualizations</a:t>
             </a:r>
             <a:endParaRPr lang="en-US" dirty="0"/>
           </a:p>
@@ -6502,16 +7417,218 @@
           </p:nvPr>
         </p:nvSpPr>
         <p:spPr>
-          <a:xfrm>
-            <a:off x="1524000" y="3987931"/>
-            <a:ext cx="9524301" cy="1959863"/>
+          <a:xfrm rot="10800000" flipV="1">
+            <a:off x="1676400" y="3187109"/>
+            <a:ext cx="8805852" cy="407582"/>
           </a:xfrm>
         </p:spPr>
         <p:txBody>
           <a:bodyPr>
+            <a:normAutofit lnSpcReduction="10000"/>
+          </a:bodyPr>
+          <a:lstStyle/>
+          <a:p>
+            <a:r>
+              <a:rPr lang="en-US" dirty="0" smtClean="0"/>
+              <a:t>November 9</a:t>
+            </a:r>
+            <a:r>
+              <a:rPr lang="en-US" baseline="30000" dirty="0" smtClean="0"/>
+              <a:t>th</a:t>
+            </a:r>
+            <a:r>
+              <a:rPr lang="en-US" dirty="0" smtClean="0"/>
+              <a:t>, 2020</a:t>
+            </a:r>
+            <a:endParaRPr lang="en-US" dirty="0"/>
+          </a:p>
+        </p:txBody>
+      </p:sp>
+      <p:sp>
+        <p:nvSpPr>
+          <p:cNvPr id="4" name="Subtitle 2"/>
+          <p:cNvSpPr txBox="1">
+            <a:spLocks/>
+          </p:cNvSpPr>
+          <p:nvPr/>
+        </p:nvSpPr>
+        <p:spPr>
+          <a:xfrm>
+            <a:off x="1676400" y="4480799"/>
+            <a:ext cx="9524301" cy="1959863"/>
+          </a:xfrm>
+          <a:prstGeom prst="rect">
+            <a:avLst/>
+          </a:prstGeom>
+        </p:spPr>
+        <p:txBody>
+          <a:bodyPr vert="horz" lIns="91440" tIns="45720" rIns="91440" bIns="45720" rtlCol="0">
             <a:normAutofit/>
           </a:bodyPr>
-          <a:lstStyle/>
+          <a:lstStyle>
+            <a:lvl1pPr marL="0" indent="0" algn="ctr" defTabSz="914400" rtl="0" eaLnBrk="1" latinLnBrk="0" hangingPunct="1">
+              <a:lnSpc>
+                <a:spcPct val="90000"/>
+              </a:lnSpc>
+              <a:spcBef>
+                <a:spcPts val="1000"/>
+              </a:spcBef>
+              <a:buFont typeface="Arial" panose="020B0604020202020204" pitchFamily="34" charset="0"/>
+              <a:buNone/>
+              <a:defRPr sz="2400" kern="1200">
+                <a:solidFill>
+                  <a:schemeClr val="tx1"/>
+                </a:solidFill>
+                <a:latin typeface="+mn-lt"/>
+                <a:ea typeface="+mn-ea"/>
+                <a:cs typeface="+mn-cs"/>
+              </a:defRPr>
+            </a:lvl1pPr>
+            <a:lvl2pPr marL="457200" indent="0" algn="ctr" defTabSz="914400" rtl="0" eaLnBrk="1" latinLnBrk="0" hangingPunct="1">
+              <a:lnSpc>
+                <a:spcPct val="90000"/>
+              </a:lnSpc>
+              <a:spcBef>
+                <a:spcPts val="500"/>
+              </a:spcBef>
+              <a:buFont typeface="Arial" panose="020B0604020202020204" pitchFamily="34" charset="0"/>
+              <a:buNone/>
+              <a:defRPr sz="2000" kern="1200">
+                <a:solidFill>
+                  <a:schemeClr val="tx1"/>
+                </a:solidFill>
+                <a:latin typeface="+mn-lt"/>
+                <a:ea typeface="+mn-ea"/>
+                <a:cs typeface="+mn-cs"/>
+              </a:defRPr>
+            </a:lvl2pPr>
+            <a:lvl3pPr marL="914400" indent="0" algn="ctr" defTabSz="914400" rtl="0" eaLnBrk="1" latinLnBrk="0" hangingPunct="1">
+              <a:lnSpc>
+                <a:spcPct val="90000"/>
+              </a:lnSpc>
+              <a:spcBef>
+                <a:spcPts val="500"/>
+              </a:spcBef>
+              <a:buFont typeface="Arial" panose="020B0604020202020204" pitchFamily="34" charset="0"/>
+              <a:buNone/>
+              <a:defRPr sz="1800" kern="1200">
+                <a:solidFill>
+                  <a:schemeClr val="tx1"/>
+                </a:solidFill>
+                <a:latin typeface="+mn-lt"/>
+                <a:ea typeface="+mn-ea"/>
+                <a:cs typeface="+mn-cs"/>
+              </a:defRPr>
+            </a:lvl3pPr>
+            <a:lvl4pPr marL="1371600" indent="0" algn="ctr" defTabSz="914400" rtl="0" eaLnBrk="1" latinLnBrk="0" hangingPunct="1">
+              <a:lnSpc>
+                <a:spcPct val="90000"/>
+              </a:lnSpc>
+              <a:spcBef>
+                <a:spcPts val="500"/>
+              </a:spcBef>
+              <a:buFont typeface="Arial" panose="020B0604020202020204" pitchFamily="34" charset="0"/>
+              <a:buNone/>
+              <a:defRPr sz="1600" kern="1200">
+                <a:solidFill>
+                  <a:schemeClr val="tx1"/>
+                </a:solidFill>
+                <a:latin typeface="+mn-lt"/>
+                <a:ea typeface="+mn-ea"/>
+                <a:cs typeface="+mn-cs"/>
+              </a:defRPr>
+            </a:lvl4pPr>
+            <a:lvl5pPr marL="1828800" indent="0" algn="ctr" defTabSz="914400" rtl="0" eaLnBrk="1" latinLnBrk="0" hangingPunct="1">
+              <a:lnSpc>
+                <a:spcPct val="90000"/>
+              </a:lnSpc>
+              <a:spcBef>
+                <a:spcPts val="500"/>
+              </a:spcBef>
+              <a:buFont typeface="Arial" panose="020B0604020202020204" pitchFamily="34" charset="0"/>
+              <a:buNone/>
+              <a:defRPr sz="1600" kern="1200">
+                <a:solidFill>
+                  <a:schemeClr val="tx1"/>
+                </a:solidFill>
+                <a:latin typeface="+mn-lt"/>
+                <a:ea typeface="+mn-ea"/>
+                <a:cs typeface="+mn-cs"/>
+              </a:defRPr>
+            </a:lvl5pPr>
+            <a:lvl6pPr marL="2286000" indent="0" algn="ctr" defTabSz="914400" rtl="0" eaLnBrk="1" latinLnBrk="0" hangingPunct="1">
+              <a:lnSpc>
+                <a:spcPct val="90000"/>
+              </a:lnSpc>
+              <a:spcBef>
+                <a:spcPts val="500"/>
+              </a:spcBef>
+              <a:buFont typeface="Arial" panose="020B0604020202020204" pitchFamily="34" charset="0"/>
+              <a:buNone/>
+              <a:defRPr sz="1600" kern="1200">
+                <a:solidFill>
+                  <a:schemeClr val="tx1"/>
+                </a:solidFill>
+                <a:latin typeface="+mn-lt"/>
+                <a:ea typeface="+mn-ea"/>
+                <a:cs typeface="+mn-cs"/>
+              </a:defRPr>
+            </a:lvl6pPr>
+            <a:lvl7pPr marL="2743200" indent="0" algn="ctr" defTabSz="914400" rtl="0" eaLnBrk="1" latinLnBrk="0" hangingPunct="1">
+              <a:lnSpc>
+                <a:spcPct val="90000"/>
+              </a:lnSpc>
+              <a:spcBef>
+                <a:spcPts val="500"/>
+              </a:spcBef>
+              <a:buFont typeface="Arial" panose="020B0604020202020204" pitchFamily="34" charset="0"/>
+              <a:buNone/>
+              <a:defRPr sz="1600" kern="1200">
+                <a:solidFill>
+                  <a:schemeClr val="tx1"/>
+                </a:solidFill>
+                <a:latin typeface="+mn-lt"/>
+                <a:ea typeface="+mn-ea"/>
+                <a:cs typeface="+mn-cs"/>
+              </a:defRPr>
+            </a:lvl7pPr>
+            <a:lvl8pPr marL="3200400" indent="0" algn="ctr" defTabSz="914400" rtl="0" eaLnBrk="1" latinLnBrk="0" hangingPunct="1">
+              <a:lnSpc>
+                <a:spcPct val="90000"/>
+              </a:lnSpc>
+              <a:spcBef>
+                <a:spcPts val="500"/>
+              </a:spcBef>
+              <a:buFont typeface="Arial" panose="020B0604020202020204" pitchFamily="34" charset="0"/>
+              <a:buNone/>
+              <a:defRPr sz="1600" kern="1200">
+                <a:solidFill>
+                  <a:schemeClr val="tx1"/>
+                </a:solidFill>
+                <a:latin typeface="+mn-lt"/>
+                <a:ea typeface="+mn-ea"/>
+                <a:cs typeface="+mn-cs"/>
+              </a:defRPr>
+            </a:lvl8pPr>
+            <a:lvl9pPr marL="3657600" indent="0" algn="ctr" defTabSz="914400" rtl="0" eaLnBrk="1" latinLnBrk="0" hangingPunct="1">
+              <a:lnSpc>
+                <a:spcPct val="90000"/>
+              </a:lnSpc>
+              <a:spcBef>
+                <a:spcPts val="500"/>
+              </a:spcBef>
+              <a:buFont typeface="Arial" panose="020B0604020202020204" pitchFamily="34" charset="0"/>
+              <a:buNone/>
+              <a:defRPr sz="1600" kern="1200">
+                <a:solidFill>
+                  <a:schemeClr val="tx1"/>
+                </a:solidFill>
+                <a:latin typeface="+mn-lt"/>
+                <a:ea typeface="+mn-ea"/>
+                <a:cs typeface="+mn-cs"/>
+              </a:defRPr>
+            </a:lvl9pPr>
+          </a:lstStyle>
           <a:p>
             <a:pPr algn="l">
               <a:lnSpc>
@@ -6519,10 +7636,10 @@
               </a:lnSpc>
             </a:pPr>
             <a:r>
-              <a:rPr lang="en-US" i="1" dirty="0"/>
+              <a:rPr lang="en-US" i="1" dirty="0" smtClean="0"/>
               <a:t>“Humans are pattern-seeking story-telling animals, and we are quite adept at telling stories about patterns, whether they exist or not.”</a:t>
             </a:r>
-            <a:endParaRPr lang="en-US" dirty="0"/>
+            <a:endParaRPr lang="en-US" dirty="0" smtClean="0"/>
           </a:p>
           <a:p>
             <a:pPr algn="r">
@@ -6535,10 +7652,10 @@
               <a:t>Michael </a:t>
             </a:r>
             <a:r>
-              <a:rPr lang="en-US" dirty="0" err="1"/>
+              <a:rPr lang="en-US" dirty="0" err="1" smtClean="0"/>
               <a:t>Shermer</a:t>
             </a:r>
-            <a:endParaRPr lang="en-US" dirty="0"/>
+            <a:endParaRPr lang="en-US" dirty="0" smtClean="0"/>
           </a:p>
           <a:p>
             <a:endParaRPr lang="en-US" dirty="0"/>
@@ -6606,7 +7723,11 @@
           <a:p>
             <a:r>
               <a:rPr lang="en-US" sz="3800" dirty="0" smtClean="0"/>
-              <a:t>Example: Color</a:t>
+              <a:t>Example: </a:t>
+            </a:r>
+            <a:r>
+              <a:rPr lang="en-US" sz="3800" dirty="0" smtClean="0"/>
+              <a:t>Color and Contrast</a:t>
             </a:r>
             <a:endParaRPr lang="en-US" sz="3800" dirty="0"/>
           </a:p>
@@ -6676,8 +7797,12 @@
               </a:spcAft>
             </a:pPr>
             <a:r>
-              <a:rPr lang="en-US" sz="2400" dirty="0" smtClean="0"/>
-              <a:t>Our attention is immediately drawn to high-contrast cells, that contain more extreme values</a:t>
+              <a:rPr lang="en-US" sz="2000" dirty="0" smtClean="0"/>
+              <a:t>The table shows </a:t>
+            </a:r>
+            <a:r>
+              <a:rPr lang="en-US" sz="2000" dirty="0" smtClean="0"/>
+              <a:t>market betas computed at different frequencies.</a:t>
             </a:r>
           </a:p>
           <a:p>
@@ -6693,10 +7818,31 @@
               </a:spcAft>
             </a:pPr>
             <a:r>
-              <a:rPr lang="en-US" sz="2400" dirty="0" smtClean="0"/>
+              <a:rPr lang="en-US" sz="2000" dirty="0" smtClean="0"/>
+              <a:t>Our </a:t>
+            </a:r>
+            <a:r>
+              <a:rPr lang="en-US" sz="2000" dirty="0" smtClean="0"/>
+              <a:t>attention is immediately drawn to high-contrast cells, that contain more extreme values</a:t>
+            </a:r>
+          </a:p>
+          <a:p>
+            <a:pPr>
+              <a:lnSpc>
+                <a:spcPct val="100000"/>
+              </a:lnSpc>
+              <a:spcBef>
+                <a:spcPts val="1200"/>
+              </a:spcBef>
+              <a:spcAft>
+                <a:spcPts val="1200"/>
+              </a:spcAft>
+            </a:pPr>
+            <a:r>
+              <a:rPr lang="en-US" sz="2000" dirty="0" smtClean="0"/>
               <a:t>We intuitively expect the cells with colder hues to contain lower values</a:t>
             </a:r>
-            <a:endParaRPr lang="en-US" sz="2400" dirty="0"/>
+            <a:endParaRPr lang="en-US" sz="2000" dirty="0"/>
           </a:p>
         </p:txBody>
       </p:sp>
@@ -17450,7 +18596,7 @@
         <p:spPr>
           <a:xfrm>
             <a:off x="1250411" y="4932726"/>
-            <a:ext cx="9691173" cy="1105429"/>
+            <a:ext cx="9691173" cy="1361196"/>
           </a:xfrm>
         </p:spPr>
         <p:txBody>
@@ -17461,7 +18607,23 @@
           <a:p>
             <a:r>
               <a:rPr lang="en-US" sz="2400" dirty="0" smtClean="0"/>
-              <a:t>Well, that wasn’t helpful</a:t>
+              <a:t>Well, that wasn’t </a:t>
+            </a:r>
+            <a:r>
+              <a:rPr lang="en-US" sz="2400" dirty="0" smtClean="0"/>
+              <a:t>helpful</a:t>
+            </a:r>
+          </a:p>
+          <a:p>
+            <a:pPr marL="0" indent="0">
+              <a:buNone/>
+            </a:pPr>
+            <a:endParaRPr lang="en-US" sz="2400" dirty="0" smtClean="0"/>
+          </a:p>
+          <a:p>
+            <a:r>
+              <a:rPr lang="en-US" sz="2400" dirty="0" smtClean="0"/>
+              <a:t>Correlations between revenue and profit are about 0.816 in all regions</a:t>
             </a:r>
             <a:endParaRPr lang="en-US" sz="2400" dirty="0"/>
           </a:p>
@@ -17528,7 +18690,19 @@
           <a:p>
             <a:r>
               <a:rPr lang="en-US" sz="3800" dirty="0" smtClean="0"/>
-              <a:t>Example: Sales Data</a:t>
+              <a:t>Example: Sales </a:t>
+            </a:r>
+            <a:r>
+              <a:rPr lang="en-US" sz="3800" dirty="0" smtClean="0"/>
+              <a:t>Data = </a:t>
+            </a:r>
+            <a:r>
+              <a:rPr lang="en-US" sz="3800" dirty="0" err="1" smtClean="0"/>
+              <a:t>Anscombe’s</a:t>
+            </a:r>
+            <a:r>
+              <a:rPr lang="en-US" sz="3800" dirty="0" smtClean="0"/>
+              <a:t> Quartet</a:t>
             </a:r>
             <a:endParaRPr lang="en-US" sz="3800" dirty="0"/>
           </a:p>
@@ -18743,12 +19917,23 @@
               <a:rPr lang="en-US" sz="2400" dirty="0" smtClean="0">
                 <a:hlinkClick r:id="rId6"/>
               </a:rPr>
-              <a:t>Color blindness simulator</a:t>
+              <a:t>Color blindness </a:t>
+            </a:r>
+            <a:r>
+              <a:rPr lang="en-US" sz="2400" dirty="0" smtClean="0">
+                <a:hlinkClick r:id="rId6"/>
+              </a:rPr>
+              <a:t>simulator</a:t>
             </a:r>
             <a:r>
               <a:rPr lang="en-US" sz="2400" dirty="0" smtClean="0"/>
-              <a:t> allows to display images as seen by people with different types of color vision deficiency. </a:t>
-            </a:r>
+              <a:t>. </a:t>
+            </a:r>
+            <a:r>
+              <a:rPr lang="en-US" sz="2400" dirty="0"/>
+              <a:t>allows to display images as seen by people with different types of color vision deficiency </a:t>
+            </a:r>
+            <a:endParaRPr lang="en-US" sz="2400" dirty="0" smtClean="0"/>
           </a:p>
           <a:p>
             <a:pPr>
@@ -20174,7 +21359,7 @@
           <p:nvPr/>
         </p:nvPicPr>
         <p:blipFill>
-          <a:blip r:embed="rId2">
+          <a:blip r:embed="rId3">
             <a:extLst>
               <a:ext uri="{28A0092B-C50C-407E-A947-70E740481C1C}">
                 <a14:useLocalDpi xmlns:a14="http://schemas.microsoft.com/office/drawing/2010/main" val="0"/>
@@ -20405,7 +21590,15 @@
             </a:pPr>
             <a:r>
               <a:rPr lang="en-US" sz="2400" dirty="0" smtClean="0"/>
-              <a:t>Societal conventions: the time flows from left to right, text is read top-to-bottom, and left-to-right</a:t>
+              <a:t>Societal conventions: the time flows from left to right, text is read top-to-bottom, and </a:t>
+            </a:r>
+            <a:r>
+              <a:rPr lang="en-US" sz="2400" dirty="0" smtClean="0"/>
+              <a:t>left-to-right </a:t>
+            </a:r>
+            <a:r>
+              <a:rPr lang="en-US" sz="2400" dirty="0" smtClean="0"/>
+              <a:t>in European cultures</a:t>
             </a:r>
             <a:endParaRPr lang="en-US" dirty="0" smtClean="0"/>
           </a:p>
